--- a/crdt.pptx
+++ b/crdt.pptx
@@ -12,24 +12,30 @@
     <p:sldId id="266" r:id="rId6"/>
     <p:sldId id="277" r:id="rId7"/>
     <p:sldId id="278" r:id="rId8"/>
-    <p:sldId id="258" r:id="rId9"/>
-    <p:sldId id="260" r:id="rId10"/>
-    <p:sldId id="270" r:id="rId11"/>
-    <p:sldId id="259" r:id="rId12"/>
-    <p:sldId id="272" r:id="rId13"/>
-    <p:sldId id="273" r:id="rId14"/>
-    <p:sldId id="274" r:id="rId15"/>
-    <p:sldId id="261" r:id="rId16"/>
-    <p:sldId id="275" r:id="rId17"/>
-    <p:sldId id="262" r:id="rId18"/>
-    <p:sldId id="263" r:id="rId19"/>
-    <p:sldId id="276" r:id="rId20"/>
-    <p:sldId id="285" r:id="rId21"/>
-    <p:sldId id="282" r:id="rId22"/>
-    <p:sldId id="283" r:id="rId23"/>
-    <p:sldId id="284" r:id="rId24"/>
-    <p:sldId id="279" r:id="rId25"/>
-    <p:sldId id="268" r:id="rId26"/>
+    <p:sldId id="286" r:id="rId9"/>
+    <p:sldId id="287" r:id="rId10"/>
+    <p:sldId id="288" r:id="rId11"/>
+    <p:sldId id="289" r:id="rId12"/>
+    <p:sldId id="290" r:id="rId13"/>
+    <p:sldId id="291" r:id="rId14"/>
+    <p:sldId id="258" r:id="rId15"/>
+    <p:sldId id="260" r:id="rId16"/>
+    <p:sldId id="270" r:id="rId17"/>
+    <p:sldId id="259" r:id="rId18"/>
+    <p:sldId id="272" r:id="rId19"/>
+    <p:sldId id="273" r:id="rId20"/>
+    <p:sldId id="274" r:id="rId21"/>
+    <p:sldId id="261" r:id="rId22"/>
+    <p:sldId id="275" r:id="rId23"/>
+    <p:sldId id="262" r:id="rId24"/>
+    <p:sldId id="263" r:id="rId25"/>
+    <p:sldId id="276" r:id="rId26"/>
+    <p:sldId id="285" r:id="rId27"/>
+    <p:sldId id="282" r:id="rId28"/>
+    <p:sldId id="283" r:id="rId29"/>
+    <p:sldId id="284" r:id="rId30"/>
+    <p:sldId id="279" r:id="rId31"/>
+    <p:sldId id="268" r:id="rId32"/>
   </p:sldIdLst>
   <p:sldSz cx="12192000" cy="6858000"/>
   <p:notesSz cx="6858000" cy="9144000"/>
@@ -128,6 +134,11 @@
       </a:defRPr>
     </a:lvl9pPr>
   </p:defaultTextStyle>
+  <p:extLst>
+    <p:ext uri="{EFAFB233-063F-42B5-8137-9DF3F51BA10A}">
+      <p15:sldGuideLst xmlns:p15="http://schemas.microsoft.com/office/powerpoint/2012/main"/>
+    </p:ext>
+  </p:extLst>
 </p:presentation>
 </file>
 
@@ -270,7 +281,7 @@
           <a:p>
             <a:fld id="{A8DE91AA-14B0-4A51-9D9C-17EF0A7F3CA2}" type="datetimeFigureOut">
               <a:rPr lang="en-IN" smtClean="0"/>
-              <a:t>26-11-2018</a:t>
+              <a:t>27-11-2018</a:t>
             </a:fld>
             <a:endParaRPr lang="en-IN"/>
           </a:p>
@@ -481,7 +492,7 @@
           <a:p>
             <a:fld id="{A8DE91AA-14B0-4A51-9D9C-17EF0A7F3CA2}" type="datetimeFigureOut">
               <a:rPr lang="en-IN" smtClean="0"/>
-              <a:t>26-11-2018</a:t>
+              <a:t>27-11-2018</a:t>
             </a:fld>
             <a:endParaRPr lang="en-IN"/>
           </a:p>
@@ -696,7 +707,7 @@
           <a:p>
             <a:fld id="{A8DE91AA-14B0-4A51-9D9C-17EF0A7F3CA2}" type="datetimeFigureOut">
               <a:rPr lang="en-IN" smtClean="0"/>
-              <a:t>26-11-2018</a:t>
+              <a:t>27-11-2018</a:t>
             </a:fld>
             <a:endParaRPr lang="en-IN"/>
           </a:p>
@@ -897,7 +908,7 @@
           <a:p>
             <a:fld id="{A8DE91AA-14B0-4A51-9D9C-17EF0A7F3CA2}" type="datetimeFigureOut">
               <a:rPr lang="en-IN" smtClean="0"/>
-              <a:t>26-11-2018</a:t>
+              <a:t>27-11-2018</a:t>
             </a:fld>
             <a:endParaRPr lang="en-IN"/>
           </a:p>
@@ -1176,7 +1187,7 @@
           <a:p>
             <a:fld id="{A8DE91AA-14B0-4A51-9D9C-17EF0A7F3CA2}" type="datetimeFigureOut">
               <a:rPr lang="en-IN" smtClean="0"/>
-              <a:t>26-11-2018</a:t>
+              <a:t>27-11-2018</a:t>
             </a:fld>
             <a:endParaRPr lang="en-IN"/>
           </a:p>
@@ -1444,7 +1455,7 @@
           <a:p>
             <a:fld id="{A8DE91AA-14B0-4A51-9D9C-17EF0A7F3CA2}" type="datetimeFigureOut">
               <a:rPr lang="en-IN" smtClean="0"/>
-              <a:t>26-11-2018</a:t>
+              <a:t>27-11-2018</a:t>
             </a:fld>
             <a:endParaRPr lang="en-IN"/>
           </a:p>
@@ -1860,7 +1871,7 @@
           <a:p>
             <a:fld id="{A8DE91AA-14B0-4A51-9D9C-17EF0A7F3CA2}" type="datetimeFigureOut">
               <a:rPr lang="en-IN" smtClean="0"/>
-              <a:t>26-11-2018</a:t>
+              <a:t>27-11-2018</a:t>
             </a:fld>
             <a:endParaRPr lang="en-IN"/>
           </a:p>
@@ -2009,7 +2020,7 @@
           <a:p>
             <a:fld id="{A8DE91AA-14B0-4A51-9D9C-17EF0A7F3CA2}" type="datetimeFigureOut">
               <a:rPr lang="en-IN" smtClean="0"/>
-              <a:t>26-11-2018</a:t>
+              <a:t>27-11-2018</a:t>
             </a:fld>
             <a:endParaRPr lang="en-IN"/>
           </a:p>
@@ -2135,7 +2146,7 @@
           <a:p>
             <a:fld id="{A8DE91AA-14B0-4A51-9D9C-17EF0A7F3CA2}" type="datetimeFigureOut">
               <a:rPr lang="en-IN" smtClean="0"/>
-              <a:t>26-11-2018</a:t>
+              <a:t>27-11-2018</a:t>
             </a:fld>
             <a:endParaRPr lang="en-IN"/>
           </a:p>
@@ -2386,7 +2397,7 @@
           <a:p>
             <a:fld id="{A8DE91AA-14B0-4A51-9D9C-17EF0A7F3CA2}" type="datetimeFigureOut">
               <a:rPr lang="en-IN" smtClean="0"/>
-              <a:t>26-11-2018</a:t>
+              <a:t>27-11-2018</a:t>
             </a:fld>
             <a:endParaRPr lang="en-IN"/>
           </a:p>
@@ -2831,7 +2842,7 @@
           <a:p>
             <a:fld id="{A8DE91AA-14B0-4A51-9D9C-17EF0A7F3CA2}" type="datetimeFigureOut">
               <a:rPr lang="en-IN" smtClean="0"/>
-              <a:t>26-11-2018</a:t>
+              <a:t>27-11-2018</a:t>
             </a:fld>
             <a:endParaRPr lang="en-IN"/>
           </a:p>
@@ -3157,7 +3168,7 @@
           <a:p>
             <a:fld id="{A8DE91AA-14B0-4A51-9D9C-17EF0A7F3CA2}" type="datetimeFigureOut">
               <a:rPr lang="en-IN" smtClean="0"/>
-              <a:t>26-11-2018</a:t>
+              <a:t>27-11-2018</a:t>
             </a:fld>
             <a:endParaRPr lang="en-IN"/>
           </a:p>
@@ -3720,6 +3731,828 @@
           <p:cNvPr id="2" name="Title 1">
             <a:extLst>
               <a:ext uri="{FF2B5EF4-FFF2-40B4-BE49-F238E27FC236}">
+                <a16:creationId xmlns:a16="http://schemas.microsoft.com/office/drawing/2014/main" id="{7A6D98AE-7E16-4277-AFF4-7952A3EB6151}"/>
+              </a:ext>
+            </a:extLst>
+          </p:cNvPr>
+          <p:cNvSpPr>
+            <a:spLocks noGrp="1"/>
+          </p:cNvSpPr>
+          <p:nvPr>
+            <p:ph type="title"/>
+          </p:nvPr>
+        </p:nvSpPr>
+        <p:spPr/>
+        <p:txBody>
+          <a:bodyPr/>
+          <a:lstStyle/>
+          <a:p>
+            <a:r>
+              <a:rPr lang="en-US" i="1" dirty="0">
+                <a:latin typeface="Times New Roman" panose="02020603050405020304" pitchFamily="18" charset="0"/>
+                <a:cs typeface="Times New Roman" panose="02020603050405020304" pitchFamily="18" charset="0"/>
+              </a:rPr>
+              <a:t>Continued</a:t>
+            </a:r>
+            <a:r>
+              <a:rPr lang="en-US" dirty="0">
+                <a:latin typeface="Times New Roman" panose="02020603050405020304" pitchFamily="18" charset="0"/>
+                <a:cs typeface="Times New Roman" panose="02020603050405020304" pitchFamily="18" charset="0"/>
+              </a:rPr>
+              <a:t>..</a:t>
+            </a:r>
+            <a:endParaRPr lang="en-IN" dirty="0">
+              <a:latin typeface="Times New Roman" panose="02020603050405020304" pitchFamily="18" charset="0"/>
+              <a:cs typeface="Times New Roman" panose="02020603050405020304" pitchFamily="18" charset="0"/>
+            </a:endParaRPr>
+          </a:p>
+        </p:txBody>
+      </p:sp>
+      <p:sp>
+        <p:nvSpPr>
+          <p:cNvPr id="3" name="Content Placeholder 2">
+            <a:extLst>
+              <a:ext uri="{FF2B5EF4-FFF2-40B4-BE49-F238E27FC236}">
+                <a16:creationId xmlns:a16="http://schemas.microsoft.com/office/drawing/2014/main" id="{58B66254-E9CA-4F79-8121-79F396D7CEE9}"/>
+              </a:ext>
+            </a:extLst>
+          </p:cNvPr>
+          <p:cNvSpPr>
+            <a:spLocks noGrp="1"/>
+          </p:cNvSpPr>
+          <p:nvPr>
+            <p:ph idx="1"/>
+          </p:nvPr>
+        </p:nvSpPr>
+        <p:spPr/>
+        <p:txBody>
+          <a:bodyPr/>
+          <a:lstStyle/>
+          <a:p>
+            <a:r>
+              <a:rPr lang="en-US" dirty="0">
+                <a:latin typeface="Times New Roman" panose="02020603050405020304" pitchFamily="18" charset="0"/>
+                <a:cs typeface="Times New Roman" panose="02020603050405020304" pitchFamily="18" charset="0"/>
+              </a:rPr>
+              <a:t>PN-Counters</a:t>
+            </a:r>
+          </a:p>
+          <a:p>
+            <a:pPr lvl="1"/>
+            <a:r>
+              <a:rPr lang="en-US" dirty="0">
+                <a:latin typeface="Times New Roman" panose="02020603050405020304" pitchFamily="18" charset="0"/>
+                <a:cs typeface="Times New Roman" panose="02020603050405020304" pitchFamily="18" charset="0"/>
+              </a:rPr>
+              <a:t>To create a counter with both increment and decrement operation, we use two G-Counters.</a:t>
+            </a:r>
+          </a:p>
+          <a:p>
+            <a:pPr lvl="1"/>
+            <a:r>
+              <a:rPr lang="en-US" dirty="0">
+                <a:latin typeface="Times New Roman" panose="02020603050405020304" pitchFamily="18" charset="0"/>
+                <a:cs typeface="Times New Roman" panose="02020603050405020304" pitchFamily="18" charset="0"/>
+              </a:rPr>
+              <a:t>One G-Counter for increment and another for decrement.</a:t>
+            </a:r>
+            <a:endParaRPr lang="en-IN" dirty="0">
+              <a:latin typeface="Times New Roman" panose="02020603050405020304" pitchFamily="18" charset="0"/>
+              <a:cs typeface="Times New Roman" panose="02020603050405020304" pitchFamily="18" charset="0"/>
+            </a:endParaRPr>
+          </a:p>
+        </p:txBody>
+      </p:sp>
+    </p:spTree>
+    <p:extLst>
+      <p:ext uri="{BB962C8B-B14F-4D97-AF65-F5344CB8AC3E}">
+        <p14:creationId xmlns:p14="http://schemas.microsoft.com/office/powerpoint/2010/main" val="2390049544"/>
+      </p:ext>
+    </p:extLst>
+  </p:cSld>
+  <p:clrMapOvr>
+    <a:masterClrMapping/>
+  </p:clrMapOvr>
+</p:sld>
+</file>
+
+<file path=ppt/slides/slide11.xml><?xml version="1.0" encoding="utf-8"?>
+<p:sld xmlns:a="http://schemas.openxmlformats.org/drawingml/2006/main" xmlns:r="http://schemas.openxmlformats.org/officeDocument/2006/relationships" xmlns:p="http://schemas.openxmlformats.org/presentationml/2006/main">
+  <p:cSld>
+    <p:spTree>
+      <p:nvGrpSpPr>
+        <p:cNvPr id="1" name=""/>
+        <p:cNvGrpSpPr/>
+        <p:nvPr/>
+      </p:nvGrpSpPr>
+      <p:grpSpPr>
+        <a:xfrm>
+          <a:off x="0" y="0"/>
+          <a:ext cx="0" cy="0"/>
+          <a:chOff x="0" y="0"/>
+          <a:chExt cx="0" cy="0"/>
+        </a:xfrm>
+      </p:grpSpPr>
+      <p:sp>
+        <p:nvSpPr>
+          <p:cNvPr id="2" name="Title 1">
+            <a:extLst>
+              <a:ext uri="{FF2B5EF4-FFF2-40B4-BE49-F238E27FC236}">
+                <a16:creationId xmlns:a16="http://schemas.microsoft.com/office/drawing/2014/main" id="{15E32E6D-2ABE-41A5-9D99-FE6ADC81ECA3}"/>
+              </a:ext>
+            </a:extLst>
+          </p:cNvPr>
+          <p:cNvSpPr>
+            <a:spLocks noGrp="1"/>
+          </p:cNvSpPr>
+          <p:nvPr>
+            <p:ph type="title"/>
+          </p:nvPr>
+        </p:nvSpPr>
+        <p:spPr/>
+        <p:txBody>
+          <a:bodyPr/>
+          <a:lstStyle/>
+          <a:p>
+            <a:r>
+              <a:rPr lang="en-US" dirty="0">
+                <a:latin typeface="Times New Roman" panose="02020603050405020304" pitchFamily="18" charset="0"/>
+                <a:cs typeface="Times New Roman" panose="02020603050405020304" pitchFamily="18" charset="0"/>
+              </a:rPr>
+              <a:t>register</a:t>
+            </a:r>
+            <a:endParaRPr lang="en-IN" dirty="0">
+              <a:latin typeface="Times New Roman" panose="02020603050405020304" pitchFamily="18" charset="0"/>
+              <a:cs typeface="Times New Roman" panose="02020603050405020304" pitchFamily="18" charset="0"/>
+            </a:endParaRPr>
+          </a:p>
+        </p:txBody>
+      </p:sp>
+      <p:sp>
+        <p:nvSpPr>
+          <p:cNvPr id="3" name="Content Placeholder 2">
+            <a:extLst>
+              <a:ext uri="{FF2B5EF4-FFF2-40B4-BE49-F238E27FC236}">
+                <a16:creationId xmlns:a16="http://schemas.microsoft.com/office/drawing/2014/main" id="{0CA5E483-02A0-4CF7-AA87-6FED1A26CB67}"/>
+              </a:ext>
+            </a:extLst>
+          </p:cNvPr>
+          <p:cNvSpPr>
+            <a:spLocks noGrp="1"/>
+          </p:cNvSpPr>
+          <p:nvPr>
+            <p:ph idx="1"/>
+          </p:nvPr>
+        </p:nvSpPr>
+        <p:spPr/>
+        <p:txBody>
+          <a:bodyPr/>
+          <a:lstStyle/>
+          <a:p>
+            <a:r>
+              <a:rPr lang="en-US" dirty="0"/>
+              <a:t>Register is a memory cell with two operations- read and write.</a:t>
+            </a:r>
+          </a:p>
+          <a:p>
+            <a:r>
+              <a:rPr lang="en-US" dirty="0"/>
+              <a:t>Write is not commutative. So to solve this there is two approaches.</a:t>
+            </a:r>
+          </a:p>
+          <a:p>
+            <a:r>
+              <a:rPr lang="en-US" dirty="0"/>
+              <a:t>Last Write Win Register</a:t>
+            </a:r>
+          </a:p>
+          <a:p>
+            <a:pPr lvl="1"/>
+            <a:endParaRPr lang="en-IN" dirty="0"/>
+          </a:p>
+        </p:txBody>
+      </p:sp>
+    </p:spTree>
+    <p:extLst>
+      <p:ext uri="{BB962C8B-B14F-4D97-AF65-F5344CB8AC3E}">
+        <p14:creationId xmlns:p14="http://schemas.microsoft.com/office/powerpoint/2010/main" val="3738255945"/>
+      </p:ext>
+    </p:extLst>
+  </p:cSld>
+  <p:clrMapOvr>
+    <a:masterClrMapping/>
+  </p:clrMapOvr>
+</p:sld>
+</file>
+
+<file path=ppt/slides/slide12.xml><?xml version="1.0" encoding="utf-8"?>
+<p:sld xmlns:a="http://schemas.openxmlformats.org/drawingml/2006/main" xmlns:r="http://schemas.openxmlformats.org/officeDocument/2006/relationships" xmlns:p="http://schemas.openxmlformats.org/presentationml/2006/main">
+  <p:cSld>
+    <p:spTree>
+      <p:nvGrpSpPr>
+        <p:cNvPr id="1" name=""/>
+        <p:cNvGrpSpPr/>
+        <p:nvPr/>
+      </p:nvGrpSpPr>
+      <p:grpSpPr>
+        <a:xfrm>
+          <a:off x="0" y="0"/>
+          <a:ext cx="0" cy="0"/>
+          <a:chOff x="0" y="0"/>
+          <a:chExt cx="0" cy="0"/>
+        </a:xfrm>
+      </p:grpSpPr>
+      <p:sp>
+        <p:nvSpPr>
+          <p:cNvPr id="2" name="Title 1">
+            <a:extLst>
+              <a:ext uri="{FF2B5EF4-FFF2-40B4-BE49-F238E27FC236}">
+                <a16:creationId xmlns:a16="http://schemas.microsoft.com/office/drawing/2014/main" id="{1663F9E9-34B5-4FC0-8521-820ACE591D66}"/>
+              </a:ext>
+            </a:extLst>
+          </p:cNvPr>
+          <p:cNvSpPr>
+            <a:spLocks noGrp="1"/>
+          </p:cNvSpPr>
+          <p:nvPr>
+            <p:ph type="title"/>
+          </p:nvPr>
+        </p:nvSpPr>
+        <p:spPr/>
+        <p:txBody>
+          <a:bodyPr/>
+          <a:lstStyle/>
+          <a:p>
+            <a:r>
+              <a:rPr lang="en-US" dirty="0"/>
+              <a:t>SETS		</a:t>
+            </a:r>
+            <a:endParaRPr lang="en-IN" dirty="0"/>
+          </a:p>
+        </p:txBody>
+      </p:sp>
+      <p:sp>
+        <p:nvSpPr>
+          <p:cNvPr id="3" name="Content Placeholder 2">
+            <a:extLst>
+              <a:ext uri="{FF2B5EF4-FFF2-40B4-BE49-F238E27FC236}">
+                <a16:creationId xmlns:a16="http://schemas.microsoft.com/office/drawing/2014/main" id="{D1E08667-E517-4A6B-AC9D-12045BC2A026}"/>
+              </a:ext>
+            </a:extLst>
+          </p:cNvPr>
+          <p:cNvSpPr>
+            <a:spLocks noGrp="1"/>
+          </p:cNvSpPr>
+          <p:nvPr>
+            <p:ph idx="1"/>
+          </p:nvPr>
+        </p:nvSpPr>
+        <p:spPr/>
+        <p:txBody>
+          <a:bodyPr/>
+          <a:lstStyle/>
+          <a:p>
+            <a:r>
+              <a:rPr lang="en-US" dirty="0"/>
+              <a:t>G-Sets</a:t>
+            </a:r>
+          </a:p>
+          <a:p>
+            <a:pPr lvl="1"/>
+            <a:r>
+              <a:rPr lang="en-US" dirty="0"/>
+              <a:t>It is a grow only set which only allows addition of elements to the sets.</a:t>
+            </a:r>
+          </a:p>
+          <a:p>
+            <a:r>
+              <a:rPr lang="en-US" dirty="0"/>
+              <a:t>2P-Sets</a:t>
+            </a:r>
+          </a:p>
+          <a:p>
+            <a:pPr lvl="1"/>
+            <a:r>
+              <a:rPr lang="en-US" dirty="0"/>
+              <a:t>It allows us to add and remove elements from the set.</a:t>
+            </a:r>
+          </a:p>
+          <a:p>
+            <a:pPr lvl="1"/>
+            <a:r>
+              <a:rPr lang="en-US" dirty="0"/>
+              <a:t>It uses two G-Sets – one to add elements and one remove set.</a:t>
+            </a:r>
+          </a:p>
+          <a:p>
+            <a:pPr lvl="1"/>
+            <a:r>
+              <a:rPr lang="en-US" dirty="0"/>
+              <a:t>Once the element is removed from the set, it cannot be added again.</a:t>
+            </a:r>
+          </a:p>
+        </p:txBody>
+      </p:sp>
+    </p:spTree>
+    <p:extLst>
+      <p:ext uri="{BB962C8B-B14F-4D97-AF65-F5344CB8AC3E}">
+        <p14:creationId xmlns:p14="http://schemas.microsoft.com/office/powerpoint/2010/main" val="3319800987"/>
+      </p:ext>
+    </p:extLst>
+  </p:cSld>
+  <p:clrMapOvr>
+    <a:masterClrMapping/>
+  </p:clrMapOvr>
+</p:sld>
+</file>
+
+<file path=ppt/slides/slide13.xml><?xml version="1.0" encoding="utf-8"?>
+<p:sld xmlns:a="http://schemas.openxmlformats.org/drawingml/2006/main" xmlns:r="http://schemas.openxmlformats.org/officeDocument/2006/relationships" xmlns:p="http://schemas.openxmlformats.org/presentationml/2006/main">
+  <p:cSld>
+    <p:spTree>
+      <p:nvGrpSpPr>
+        <p:cNvPr id="1" name=""/>
+        <p:cNvGrpSpPr/>
+        <p:nvPr/>
+      </p:nvGrpSpPr>
+      <p:grpSpPr>
+        <a:xfrm>
+          <a:off x="0" y="0"/>
+          <a:ext cx="0" cy="0"/>
+          <a:chOff x="0" y="0"/>
+          <a:chExt cx="0" cy="0"/>
+        </a:xfrm>
+      </p:grpSpPr>
+      <p:sp>
+        <p:nvSpPr>
+          <p:cNvPr id="2" name="Title 1">
+            <a:extLst>
+              <a:ext uri="{FF2B5EF4-FFF2-40B4-BE49-F238E27FC236}">
+                <a16:creationId xmlns:a16="http://schemas.microsoft.com/office/drawing/2014/main" id="{8335C832-8582-450D-90C4-522AA89B2845}"/>
+              </a:ext>
+            </a:extLst>
+          </p:cNvPr>
+          <p:cNvSpPr>
+            <a:spLocks noGrp="1"/>
+          </p:cNvSpPr>
+          <p:nvPr>
+            <p:ph type="title"/>
+          </p:nvPr>
+        </p:nvSpPr>
+        <p:spPr/>
+        <p:txBody>
+          <a:bodyPr/>
+          <a:lstStyle/>
+          <a:p>
+            <a:r>
+              <a:rPr lang="en-US" i="1" dirty="0">
+                <a:latin typeface="Times New Roman" panose="02020603050405020304" pitchFamily="18" charset="0"/>
+                <a:cs typeface="Times New Roman" panose="02020603050405020304" pitchFamily="18" charset="0"/>
+              </a:rPr>
+              <a:t>Continued..</a:t>
+            </a:r>
+            <a:endParaRPr lang="en-IN" i="1" dirty="0">
+              <a:latin typeface="Times New Roman" panose="02020603050405020304" pitchFamily="18" charset="0"/>
+              <a:cs typeface="Times New Roman" panose="02020603050405020304" pitchFamily="18" charset="0"/>
+            </a:endParaRPr>
+          </a:p>
+        </p:txBody>
+      </p:sp>
+      <p:sp>
+        <p:nvSpPr>
+          <p:cNvPr id="3" name="Content Placeholder 2">
+            <a:extLst>
+              <a:ext uri="{FF2B5EF4-FFF2-40B4-BE49-F238E27FC236}">
+                <a16:creationId xmlns:a16="http://schemas.microsoft.com/office/drawing/2014/main" id="{08911947-90EA-4FA0-B901-C84867B25B5D}"/>
+              </a:ext>
+            </a:extLst>
+          </p:cNvPr>
+          <p:cNvSpPr>
+            <a:spLocks noGrp="1"/>
+          </p:cNvSpPr>
+          <p:nvPr>
+            <p:ph idx="1"/>
+          </p:nvPr>
+        </p:nvSpPr>
+        <p:spPr/>
+        <p:txBody>
+          <a:bodyPr/>
+          <a:lstStyle/>
+          <a:p>
+            <a:r>
+              <a:rPr lang="en-US" dirty="0">
+                <a:latin typeface="Times New Roman" panose="02020603050405020304" pitchFamily="18" charset="0"/>
+                <a:cs typeface="Times New Roman" panose="02020603050405020304" pitchFamily="18" charset="0"/>
+              </a:rPr>
+              <a:t>Last-Write-Wins Set</a:t>
+            </a:r>
+          </a:p>
+          <a:p>
+            <a:pPr lvl="1"/>
+            <a:r>
+              <a:rPr lang="en-US" dirty="0">
+                <a:latin typeface="Times New Roman" panose="02020603050405020304" pitchFamily="18" charset="0"/>
+                <a:cs typeface="Times New Roman" panose="02020603050405020304" pitchFamily="18" charset="0"/>
+              </a:rPr>
+              <a:t>It is also similar to 2P set.</a:t>
+            </a:r>
+          </a:p>
+          <a:p>
+            <a:pPr lvl="1"/>
+            <a:r>
+              <a:rPr lang="en-US" dirty="0">
+                <a:latin typeface="Times New Roman" panose="02020603050405020304" pitchFamily="18" charset="0"/>
+                <a:cs typeface="Times New Roman" panose="02020603050405020304" pitchFamily="18" charset="0"/>
+              </a:rPr>
+              <a:t>It uses two G-Sets – add set and remove set with a timestamp for each element.</a:t>
+            </a:r>
+          </a:p>
+          <a:p>
+            <a:pPr lvl="1"/>
+            <a:r>
+              <a:rPr lang="en-US" dirty="0">
+                <a:latin typeface="Times New Roman" panose="02020603050405020304" pitchFamily="18" charset="0"/>
+                <a:cs typeface="Times New Roman" panose="02020603050405020304" pitchFamily="18" charset="0"/>
+              </a:rPr>
+              <a:t>But it allow us to reinsert the removed elements also.</a:t>
+            </a:r>
+            <a:endParaRPr lang="en-IN" dirty="0">
+              <a:latin typeface="Times New Roman" panose="02020603050405020304" pitchFamily="18" charset="0"/>
+              <a:cs typeface="Times New Roman" panose="02020603050405020304" pitchFamily="18" charset="0"/>
+            </a:endParaRPr>
+          </a:p>
+          <a:p>
+            <a:r>
+              <a:rPr lang="en-US" dirty="0">
+                <a:latin typeface="Times New Roman" panose="02020603050405020304" pitchFamily="18" charset="0"/>
+                <a:cs typeface="Times New Roman" panose="02020603050405020304" pitchFamily="18" charset="0"/>
+              </a:rPr>
+              <a:t>Observed</a:t>
+            </a:r>
+            <a:r>
+              <a:rPr lang="en-IN" dirty="0">
+                <a:latin typeface="Times New Roman" panose="02020603050405020304" pitchFamily="18" charset="0"/>
+                <a:cs typeface="Times New Roman" panose="02020603050405020304" pitchFamily="18" charset="0"/>
+              </a:rPr>
+              <a:t> - Removed Set</a:t>
+            </a:r>
+          </a:p>
+          <a:p>
+            <a:pPr lvl="1"/>
+            <a:r>
+              <a:rPr lang="en-US" dirty="0">
+                <a:latin typeface="Times New Roman" panose="02020603050405020304" pitchFamily="18" charset="0"/>
+                <a:cs typeface="Times New Roman" panose="02020603050405020304" pitchFamily="18" charset="0"/>
+              </a:rPr>
+              <a:t>I</a:t>
+            </a:r>
+            <a:r>
+              <a:rPr lang="en-IN" dirty="0">
+                <a:latin typeface="Times New Roman" panose="02020603050405020304" pitchFamily="18" charset="0"/>
+                <a:cs typeface="Times New Roman" panose="02020603050405020304" pitchFamily="18" charset="0"/>
+              </a:rPr>
+              <a:t>t differs from LWW Set by using unique id instead of timestamp.</a:t>
+            </a:r>
+          </a:p>
+          <a:p>
+            <a:pPr lvl="1"/>
+            <a:r>
+              <a:rPr lang="en-US" dirty="0">
+                <a:latin typeface="Times New Roman" panose="02020603050405020304" pitchFamily="18" charset="0"/>
+                <a:cs typeface="Times New Roman" panose="02020603050405020304" pitchFamily="18" charset="0"/>
+              </a:rPr>
+              <a:t>U</a:t>
+            </a:r>
+            <a:r>
+              <a:rPr lang="en-IN" dirty="0">
+                <a:latin typeface="Times New Roman" panose="02020603050405020304" pitchFamily="18" charset="0"/>
+                <a:cs typeface="Times New Roman" panose="02020603050405020304" pitchFamily="18" charset="0"/>
+              </a:rPr>
+              <a:t>nique tag is added to both the add set and remove set.</a:t>
+            </a:r>
+            <a:endParaRPr lang="en-US" dirty="0">
+              <a:latin typeface="Times New Roman" panose="02020603050405020304" pitchFamily="18" charset="0"/>
+              <a:cs typeface="Times New Roman" panose="02020603050405020304" pitchFamily="18" charset="0"/>
+            </a:endParaRPr>
+          </a:p>
+        </p:txBody>
+      </p:sp>
+    </p:spTree>
+    <p:extLst>
+      <p:ext uri="{BB962C8B-B14F-4D97-AF65-F5344CB8AC3E}">
+        <p14:creationId xmlns:p14="http://schemas.microsoft.com/office/powerpoint/2010/main" val="3558920985"/>
+      </p:ext>
+    </p:extLst>
+  </p:cSld>
+  <p:clrMapOvr>
+    <a:masterClrMapping/>
+  </p:clrMapOvr>
+</p:sld>
+</file>
+
+<file path=ppt/slides/slide14.xml><?xml version="1.0" encoding="utf-8"?>
+<p:sld xmlns:a="http://schemas.openxmlformats.org/drawingml/2006/main" xmlns:r="http://schemas.openxmlformats.org/officeDocument/2006/relationships" xmlns:p="http://schemas.openxmlformats.org/presentationml/2006/main">
+  <p:cSld>
+    <p:spTree>
+      <p:nvGrpSpPr>
+        <p:cNvPr id="1" name=""/>
+        <p:cNvGrpSpPr/>
+        <p:nvPr/>
+      </p:nvGrpSpPr>
+      <p:grpSpPr>
+        <a:xfrm>
+          <a:off x="0" y="0"/>
+          <a:ext cx="0" cy="0"/>
+          <a:chOff x="0" y="0"/>
+          <a:chExt cx="0" cy="0"/>
+        </a:xfrm>
+      </p:grpSpPr>
+      <p:sp>
+        <p:nvSpPr>
+          <p:cNvPr id="2" name="Title 1">
+            <a:extLst>
+              <a:ext uri="{FF2B5EF4-FFF2-40B4-BE49-F238E27FC236}">
+                <a16:creationId xmlns:a16="http://schemas.microsoft.com/office/drawing/2014/main" id="{7865ADBF-CD6F-42A6-8E9C-F43D0F9807FF}"/>
+              </a:ext>
+            </a:extLst>
+          </p:cNvPr>
+          <p:cNvSpPr>
+            <a:spLocks noGrp="1"/>
+          </p:cNvSpPr>
+          <p:nvPr>
+            <p:ph type="title"/>
+          </p:nvPr>
+        </p:nvSpPr>
+        <p:spPr/>
+        <p:txBody>
+          <a:bodyPr/>
+          <a:lstStyle/>
+          <a:p>
+            <a:r>
+              <a:rPr lang="en-US" dirty="0">
+                <a:latin typeface="Times New Roman" panose="02020603050405020304" pitchFamily="18" charset="0"/>
+                <a:cs typeface="Times New Roman" panose="02020603050405020304" pitchFamily="18" charset="0"/>
+              </a:rPr>
+              <a:t>Collaborative editing</a:t>
+            </a:r>
+            <a:endParaRPr lang="en-IN" dirty="0">
+              <a:latin typeface="Times New Roman" panose="02020603050405020304" pitchFamily="18" charset="0"/>
+              <a:cs typeface="Times New Roman" panose="02020603050405020304" pitchFamily="18" charset="0"/>
+            </a:endParaRPr>
+          </a:p>
+        </p:txBody>
+      </p:sp>
+      <p:sp>
+        <p:nvSpPr>
+          <p:cNvPr id="3" name="Content Placeholder 2">
+            <a:extLst>
+              <a:ext uri="{FF2B5EF4-FFF2-40B4-BE49-F238E27FC236}">
+                <a16:creationId xmlns:a16="http://schemas.microsoft.com/office/drawing/2014/main" id="{ED49667C-EFAE-4D21-8E44-98C5D8B41F3D}"/>
+              </a:ext>
+            </a:extLst>
+          </p:cNvPr>
+          <p:cNvSpPr>
+            <a:spLocks noGrp="1"/>
+          </p:cNvSpPr>
+          <p:nvPr>
+            <p:ph idx="1"/>
+          </p:nvPr>
+        </p:nvSpPr>
+        <p:spPr/>
+        <p:txBody>
+          <a:bodyPr/>
+          <a:lstStyle/>
+          <a:p>
+            <a:r>
+              <a:rPr lang="en-US" dirty="0">
+                <a:latin typeface="Times New Roman" panose="02020603050405020304" pitchFamily="18" charset="0"/>
+                <a:cs typeface="Times New Roman" panose="02020603050405020304" pitchFamily="18" charset="0"/>
+              </a:rPr>
+              <a:t>It is an application which enables the different users in different places to access the same file over the internet.</a:t>
+            </a:r>
+          </a:p>
+          <a:p>
+            <a:r>
+              <a:rPr lang="en-US" dirty="0">
+                <a:latin typeface="Times New Roman" panose="02020603050405020304" pitchFamily="18" charset="0"/>
+                <a:cs typeface="Times New Roman" panose="02020603050405020304" pitchFamily="18" charset="0"/>
+              </a:rPr>
+              <a:t>It has two types namely non real-time collaboration and real-time collaboration.</a:t>
+            </a:r>
+          </a:p>
+          <a:p>
+            <a:r>
+              <a:rPr lang="en-US" dirty="0">
+                <a:latin typeface="Times New Roman" panose="02020603050405020304" pitchFamily="18" charset="0"/>
+                <a:cs typeface="Times New Roman" panose="02020603050405020304" pitchFamily="18" charset="0"/>
+              </a:rPr>
+              <a:t>In non real-time collaboration editing, the same file is not edited by different users simultaneously.</a:t>
+            </a:r>
+          </a:p>
+          <a:p>
+            <a:r>
+              <a:rPr lang="en-US" dirty="0">
+                <a:latin typeface="Times New Roman" panose="02020603050405020304" pitchFamily="18" charset="0"/>
+                <a:cs typeface="Times New Roman" panose="02020603050405020304" pitchFamily="18" charset="0"/>
+              </a:rPr>
+              <a:t>But real-time collaboration allows users to edit the same file simultaneously by different users across the world. </a:t>
+            </a:r>
+            <a:endParaRPr lang="en-IN" dirty="0">
+              <a:latin typeface="Times New Roman" panose="02020603050405020304" pitchFamily="18" charset="0"/>
+              <a:cs typeface="Times New Roman" panose="02020603050405020304" pitchFamily="18" charset="0"/>
+            </a:endParaRPr>
+          </a:p>
+        </p:txBody>
+      </p:sp>
+    </p:spTree>
+    <p:extLst>
+      <p:ext uri="{BB962C8B-B14F-4D97-AF65-F5344CB8AC3E}">
+        <p14:creationId xmlns:p14="http://schemas.microsoft.com/office/powerpoint/2010/main" val="1136513746"/>
+      </p:ext>
+    </p:extLst>
+  </p:cSld>
+  <p:clrMapOvr>
+    <a:masterClrMapping/>
+  </p:clrMapOvr>
+</p:sld>
+</file>
+
+<file path=ppt/slides/slide15.xml><?xml version="1.0" encoding="utf-8"?>
+<p:sld xmlns:a="http://schemas.openxmlformats.org/drawingml/2006/main" xmlns:r="http://schemas.openxmlformats.org/officeDocument/2006/relationships" xmlns:p="http://schemas.openxmlformats.org/presentationml/2006/main">
+  <p:cSld>
+    <p:spTree>
+      <p:nvGrpSpPr>
+        <p:cNvPr id="1" name=""/>
+        <p:cNvGrpSpPr/>
+        <p:nvPr/>
+      </p:nvGrpSpPr>
+      <p:grpSpPr>
+        <a:xfrm>
+          <a:off x="0" y="0"/>
+          <a:ext cx="0" cy="0"/>
+          <a:chOff x="0" y="0"/>
+          <a:chExt cx="0" cy="0"/>
+        </a:xfrm>
+      </p:grpSpPr>
+      <p:sp>
+        <p:nvSpPr>
+          <p:cNvPr id="2" name="Title 1">
+            <a:extLst>
+              <a:ext uri="{FF2B5EF4-FFF2-40B4-BE49-F238E27FC236}">
+                <a16:creationId xmlns:a16="http://schemas.microsoft.com/office/drawing/2014/main" id="{AB88FE10-38BB-46B3-BA6C-80E85E81F8AE}"/>
+              </a:ext>
+            </a:extLst>
+          </p:cNvPr>
+          <p:cNvSpPr>
+            <a:spLocks noGrp="1"/>
+          </p:cNvSpPr>
+          <p:nvPr>
+            <p:ph type="title"/>
+          </p:nvPr>
+        </p:nvSpPr>
+        <p:spPr/>
+        <p:txBody>
+          <a:bodyPr/>
+          <a:lstStyle/>
+          <a:p>
+            <a:r>
+              <a:rPr lang="en-US" dirty="0"/>
+              <a:t>consistency in distributed system</a:t>
+            </a:r>
+            <a:endParaRPr lang="en-IN" dirty="0"/>
+          </a:p>
+        </p:txBody>
+      </p:sp>
+      <p:sp>
+        <p:nvSpPr>
+          <p:cNvPr id="3" name="Content Placeholder 2">
+            <a:extLst>
+              <a:ext uri="{FF2B5EF4-FFF2-40B4-BE49-F238E27FC236}">
+                <a16:creationId xmlns:a16="http://schemas.microsoft.com/office/drawing/2014/main" id="{8378F85F-E4AE-45F0-816B-6165D393FC34}"/>
+              </a:ext>
+            </a:extLst>
+          </p:cNvPr>
+          <p:cNvSpPr>
+            <a:spLocks noGrp="1"/>
+          </p:cNvSpPr>
+          <p:nvPr>
+            <p:ph idx="1"/>
+          </p:nvPr>
+        </p:nvSpPr>
+        <p:spPr/>
+        <p:txBody>
+          <a:bodyPr/>
+          <a:lstStyle/>
+          <a:p>
+            <a:r>
+              <a:rPr lang="en-US" dirty="0"/>
+              <a:t>Strong consistency</a:t>
+            </a:r>
+          </a:p>
+          <a:p>
+            <a:pPr lvl="1">
+              <a:buFont typeface="Wingdings" panose="05000000000000000000" pitchFamily="2" charset="2"/>
+              <a:buChar char="Ø"/>
+            </a:pPr>
+            <a:r>
+              <a:rPr lang="en-US" dirty="0"/>
+              <a:t>The data will be passed to all replicas as soon as a user writes in any of the replicas.</a:t>
+            </a:r>
+          </a:p>
+          <a:p>
+            <a:pPr lvl="1">
+              <a:buFont typeface="Wingdings" panose="05000000000000000000" pitchFamily="2" charset="2"/>
+              <a:buChar char="Ø"/>
+            </a:pPr>
+            <a:r>
+              <a:rPr lang="en-US" dirty="0"/>
+              <a:t>But during update any subsequent request to any of the replicas will be delayed.</a:t>
+            </a:r>
+          </a:p>
+          <a:p>
+            <a:pPr lvl="1">
+              <a:buFont typeface="Wingdings" panose="05000000000000000000" pitchFamily="2" charset="2"/>
+              <a:buChar char="Ø"/>
+            </a:pPr>
+            <a:r>
+              <a:rPr lang="en-US" dirty="0"/>
+              <a:t>After the update they start to take care of the requests arrived.</a:t>
+            </a:r>
+          </a:p>
+          <a:p>
+            <a:r>
+              <a:rPr lang="en-US" dirty="0"/>
+              <a:t>Eventual consistency</a:t>
+            </a:r>
+          </a:p>
+          <a:p>
+            <a:pPr lvl="1">
+              <a:buFont typeface="Wingdings" panose="05000000000000000000" pitchFamily="2" charset="2"/>
+              <a:buChar char="Ø"/>
+            </a:pPr>
+            <a:r>
+              <a:rPr lang="en-US" dirty="0"/>
+              <a:t>It does not update all replicas at once. But has a fixed time to become consistent.</a:t>
+            </a:r>
+          </a:p>
+          <a:p>
+            <a:pPr lvl="1">
+              <a:buFont typeface="Wingdings" panose="05000000000000000000" pitchFamily="2" charset="2"/>
+              <a:buChar char="Ø"/>
+            </a:pPr>
+            <a:r>
+              <a:rPr lang="en-US" dirty="0"/>
+              <a:t>Any request to the data at any time may not be the same.</a:t>
+            </a:r>
+          </a:p>
+          <a:p>
+            <a:pPr lvl="1">
+              <a:buFont typeface="Wingdings" panose="05000000000000000000" pitchFamily="2" charset="2"/>
+              <a:buChar char="Ø"/>
+            </a:pPr>
+            <a:r>
+              <a:rPr lang="en-US" dirty="0"/>
+              <a:t>It can be used in fault tolerant application.</a:t>
+            </a:r>
+            <a:endParaRPr lang="en-IN" dirty="0"/>
+          </a:p>
+        </p:txBody>
+      </p:sp>
+    </p:spTree>
+    <p:extLst>
+      <p:ext uri="{BB962C8B-B14F-4D97-AF65-F5344CB8AC3E}">
+        <p14:creationId xmlns:p14="http://schemas.microsoft.com/office/powerpoint/2010/main" val="2106288165"/>
+      </p:ext>
+    </p:extLst>
+  </p:cSld>
+  <p:clrMapOvr>
+    <a:masterClrMapping/>
+  </p:clrMapOvr>
+</p:sld>
+</file>
+
+<file path=ppt/slides/slide16.xml><?xml version="1.0" encoding="utf-8"?>
+<p:sld xmlns:a="http://schemas.openxmlformats.org/drawingml/2006/main" xmlns:r="http://schemas.openxmlformats.org/officeDocument/2006/relationships" xmlns:p="http://schemas.openxmlformats.org/presentationml/2006/main">
+  <p:cSld>
+    <p:spTree>
+      <p:nvGrpSpPr>
+        <p:cNvPr id="1" name=""/>
+        <p:cNvGrpSpPr/>
+        <p:nvPr/>
+      </p:nvGrpSpPr>
+      <p:grpSpPr>
+        <a:xfrm>
+          <a:off x="0" y="0"/>
+          <a:ext cx="0" cy="0"/>
+          <a:chOff x="0" y="0"/>
+          <a:chExt cx="0" cy="0"/>
+        </a:xfrm>
+      </p:grpSpPr>
+      <p:sp>
+        <p:nvSpPr>
+          <p:cNvPr id="2" name="Title 1">
+            <a:extLst>
+              <a:ext uri="{FF2B5EF4-FFF2-40B4-BE49-F238E27FC236}">
                 <a16:creationId xmlns:a16="http://schemas.microsoft.com/office/drawing/2014/main" id="{A23CEA68-2CB6-42C5-9264-6BF25BBE7C26}"/>
               </a:ext>
             </a:extLst>
@@ -3736,7 +4569,18 @@
           <a:bodyPr/>
           <a:lstStyle/>
           <a:p>
-            <a:endParaRPr lang="en-IN"/>
+            <a:r>
+              <a:rPr lang="en-US" i="1" dirty="0">
+                <a:latin typeface="Times New Roman" panose="02020603050405020304" pitchFamily="18" charset="0"/>
+                <a:cs typeface="Times New Roman" panose="02020603050405020304" pitchFamily="18" charset="0"/>
+              </a:rPr>
+              <a:t>Continued</a:t>
+            </a:r>
+            <a:r>
+              <a:rPr lang="en-US" cap="none" dirty="0"/>
+              <a:t>..</a:t>
+            </a:r>
+            <a:endParaRPr lang="en-IN" dirty="0"/>
           </a:p>
         </p:txBody>
       </p:sp>
@@ -3802,7 +4646,7 @@
 </p:sld>
 </file>
 
-<file path=ppt/slides/slide11.xml><?xml version="1.0" encoding="utf-8"?>
+<file path=ppt/slides/slide17.xml><?xml version="1.0" encoding="utf-8"?>
 <p:sld xmlns:a="http://schemas.openxmlformats.org/drawingml/2006/main" xmlns:r="http://schemas.openxmlformats.org/officeDocument/2006/relationships" xmlns:p="http://schemas.openxmlformats.org/presentationml/2006/main">
   <p:cSld>
     <p:spTree>
@@ -3957,7 +4801,7 @@
 </p:sld>
 </file>
 
-<file path=ppt/slides/slide12.xml><?xml version="1.0" encoding="utf-8"?>
+<file path=ppt/slides/slide18.xml><?xml version="1.0" encoding="utf-8"?>
 <p:sld xmlns:a="http://schemas.openxmlformats.org/drawingml/2006/main" xmlns:r="http://schemas.openxmlformats.org/officeDocument/2006/relationships" xmlns:p="http://schemas.openxmlformats.org/presentationml/2006/main">
   <p:cSld>
     <p:spTree>
@@ -4136,7 +4980,7 @@
 </p:sld>
 </file>
 
-<file path=ppt/slides/slide13.xml><?xml version="1.0" encoding="utf-8"?>
+<file path=ppt/slides/slide19.xml><?xml version="1.0" encoding="utf-8"?>
 <p:sld xmlns:a="http://schemas.openxmlformats.org/drawingml/2006/main" xmlns:r="http://schemas.openxmlformats.org/officeDocument/2006/relationships" xmlns:p="http://schemas.openxmlformats.org/presentationml/2006/main">
   <p:cSld>
     <p:spTree>
@@ -4288,732 +5132,6 @@
 </p:sld>
 </file>
 
-<file path=ppt/slides/slide14.xml><?xml version="1.0" encoding="utf-8"?>
-<p:sld xmlns:a="http://schemas.openxmlformats.org/drawingml/2006/main" xmlns:r="http://schemas.openxmlformats.org/officeDocument/2006/relationships" xmlns:p="http://schemas.openxmlformats.org/presentationml/2006/main">
-  <p:cSld>
-    <p:spTree>
-      <p:nvGrpSpPr>
-        <p:cNvPr id="1" name=""/>
-        <p:cNvGrpSpPr/>
-        <p:nvPr/>
-      </p:nvGrpSpPr>
-      <p:grpSpPr>
-        <a:xfrm>
-          <a:off x="0" y="0"/>
-          <a:ext cx="0" cy="0"/>
-          <a:chOff x="0" y="0"/>
-          <a:chExt cx="0" cy="0"/>
-        </a:xfrm>
-      </p:grpSpPr>
-      <p:sp>
-        <p:nvSpPr>
-          <p:cNvPr id="7" name="Title 6">
-            <a:extLst>
-              <a:ext uri="{FF2B5EF4-FFF2-40B4-BE49-F238E27FC236}">
-                <a16:creationId xmlns:a16="http://schemas.microsoft.com/office/drawing/2014/main" id="{A64E812B-325E-4789-AF2E-688DE34E1AD1}"/>
-              </a:ext>
-            </a:extLst>
-          </p:cNvPr>
-          <p:cNvSpPr>
-            <a:spLocks noGrp="1"/>
-          </p:cNvSpPr>
-          <p:nvPr>
-            <p:ph type="title"/>
-          </p:nvPr>
-        </p:nvSpPr>
-        <p:spPr/>
-        <p:txBody>
-          <a:bodyPr/>
-          <a:lstStyle/>
-          <a:p>
-            <a:r>
-              <a:rPr lang="en-US" dirty="0"/>
-              <a:t>terms</a:t>
-            </a:r>
-            <a:endParaRPr lang="en-IN" dirty="0"/>
-          </a:p>
-        </p:txBody>
-      </p:sp>
-      <p:sp>
-        <p:nvSpPr>
-          <p:cNvPr id="8" name="Content Placeholder 7">
-            <a:extLst>
-              <a:ext uri="{FF2B5EF4-FFF2-40B4-BE49-F238E27FC236}">
-                <a16:creationId xmlns:a16="http://schemas.microsoft.com/office/drawing/2014/main" id="{3C88842E-8169-4A0B-8FDB-DEDCA56513AB}"/>
-              </a:ext>
-            </a:extLst>
-          </p:cNvPr>
-          <p:cNvSpPr>
-            <a:spLocks noGrp="1"/>
-          </p:cNvSpPr>
-          <p:nvPr>
-            <p:ph idx="1"/>
-          </p:nvPr>
-        </p:nvSpPr>
-        <p:spPr>
-          <a:xfrm>
-            <a:off x="1451579" y="1942654"/>
-            <a:ext cx="9603275" cy="3450613"/>
-          </a:xfrm>
-        </p:spPr>
-        <p:txBody>
-          <a:bodyPr>
-            <a:normAutofit/>
-          </a:bodyPr>
-          <a:lstStyle/>
-          <a:p>
-            <a:r>
-              <a:rPr lang="en-US" sz="1800" dirty="0">
-                <a:latin typeface="Times New Roman" panose="02020603050405020304" pitchFamily="18" charset="0"/>
-                <a:cs typeface="Times New Roman" panose="02020603050405020304" pitchFamily="18" charset="0"/>
-              </a:rPr>
-              <a:t>Commutative</a:t>
-            </a:r>
-          </a:p>
-          <a:p>
-            <a:pPr lvl="1"/>
-            <a:r>
-              <a:rPr lang="en-US" dirty="0">
-                <a:latin typeface="Times New Roman" panose="02020603050405020304" pitchFamily="18" charset="0"/>
-                <a:cs typeface="Times New Roman" panose="02020603050405020304" pitchFamily="18" charset="0"/>
-              </a:rPr>
-              <a:t>The change in operation order should not change the result.</a:t>
-            </a:r>
-          </a:p>
-          <a:p>
-            <a:r>
-              <a:rPr lang="en-US" sz="1800" dirty="0">
-                <a:latin typeface="Times New Roman" panose="02020603050405020304" pitchFamily="18" charset="0"/>
-                <a:cs typeface="Times New Roman" panose="02020603050405020304" pitchFamily="18" charset="0"/>
-              </a:rPr>
-              <a:t>Idempotence</a:t>
-            </a:r>
-          </a:p>
-          <a:p>
-            <a:pPr lvl="1"/>
-            <a:r>
-              <a:rPr lang="en-US" dirty="0">
-                <a:latin typeface="Times New Roman" panose="02020603050405020304" pitchFamily="18" charset="0"/>
-                <a:cs typeface="Times New Roman" panose="02020603050405020304" pitchFamily="18" charset="0"/>
-              </a:rPr>
-              <a:t>Applying an operation more than once should not affect the result. </a:t>
-            </a:r>
-          </a:p>
-          <a:p>
-            <a:r>
-              <a:rPr lang="en-IN" sz="1800" dirty="0">
-                <a:latin typeface="Times New Roman" panose="02020603050405020304" pitchFamily="18" charset="0"/>
-                <a:cs typeface="Times New Roman" panose="02020603050405020304" pitchFamily="18" charset="0"/>
-              </a:rPr>
-              <a:t>Partial order</a:t>
-            </a:r>
-          </a:p>
-          <a:p>
-            <a:pPr lvl="1"/>
-            <a:r>
-              <a:rPr lang="en-IN" dirty="0">
-                <a:latin typeface="Times New Roman" panose="02020603050405020304" pitchFamily="18" charset="0"/>
-                <a:cs typeface="Times New Roman" panose="02020603050405020304" pitchFamily="18" charset="0"/>
-              </a:rPr>
-              <a:t>Reflexivity + Transitivity + </a:t>
-            </a:r>
-            <a:r>
-              <a:rPr lang="en-IN" dirty="0" err="1">
-                <a:latin typeface="Times New Roman" panose="02020603050405020304" pitchFamily="18" charset="0"/>
-                <a:cs typeface="Times New Roman" panose="02020603050405020304" pitchFamily="18" charset="0"/>
-              </a:rPr>
-              <a:t>Antisymmetry</a:t>
-            </a:r>
-            <a:r>
-              <a:rPr lang="en-IN" dirty="0">
-                <a:latin typeface="Times New Roman" panose="02020603050405020304" pitchFamily="18" charset="0"/>
-                <a:cs typeface="Times New Roman" panose="02020603050405020304" pitchFamily="18" charset="0"/>
-              </a:rPr>
-              <a:t>.</a:t>
-            </a:r>
-          </a:p>
-          <a:p>
-            <a:r>
-              <a:rPr lang="en-IN" sz="1800" dirty="0">
-                <a:latin typeface="Times New Roman" panose="02020603050405020304" pitchFamily="18" charset="0"/>
-                <a:cs typeface="Times New Roman" panose="02020603050405020304" pitchFamily="18" charset="0"/>
-              </a:rPr>
-              <a:t>Semilattice</a:t>
-            </a:r>
-          </a:p>
-          <a:p>
-            <a:pPr lvl="1"/>
-            <a:r>
-              <a:rPr lang="en-IN" dirty="0">
-                <a:latin typeface="Times New Roman" panose="02020603050405020304" pitchFamily="18" charset="0"/>
-                <a:cs typeface="Times New Roman" panose="02020603050405020304" pitchFamily="18" charset="0"/>
-              </a:rPr>
-              <a:t>Partially ordered set with exact upper (lower) face</a:t>
-            </a:r>
-          </a:p>
-          <a:p>
-            <a:endParaRPr lang="en-US" sz="1800" dirty="0">
-              <a:latin typeface="Times New Roman" panose="02020603050405020304" pitchFamily="18" charset="0"/>
-              <a:cs typeface="Times New Roman" panose="02020603050405020304" pitchFamily="18" charset="0"/>
-            </a:endParaRPr>
-          </a:p>
-          <a:p>
-            <a:endParaRPr lang="en-IN" sz="1800" dirty="0">
-              <a:latin typeface="Times New Roman" panose="02020603050405020304" pitchFamily="18" charset="0"/>
-              <a:cs typeface="Times New Roman" panose="02020603050405020304" pitchFamily="18" charset="0"/>
-            </a:endParaRPr>
-          </a:p>
-        </p:txBody>
-      </p:sp>
-    </p:spTree>
-    <p:extLst>
-      <p:ext uri="{BB962C8B-B14F-4D97-AF65-F5344CB8AC3E}">
-        <p14:creationId xmlns:p14="http://schemas.microsoft.com/office/powerpoint/2010/main" val="723282055"/>
-      </p:ext>
-    </p:extLst>
-  </p:cSld>
-  <p:clrMapOvr>
-    <a:masterClrMapping/>
-  </p:clrMapOvr>
-</p:sld>
-</file>
-
-<file path=ppt/slides/slide15.xml><?xml version="1.0" encoding="utf-8"?>
-<p:sld xmlns:a="http://schemas.openxmlformats.org/drawingml/2006/main" xmlns:r="http://schemas.openxmlformats.org/officeDocument/2006/relationships" xmlns:p="http://schemas.openxmlformats.org/presentationml/2006/main">
-  <p:cSld>
-    <p:spTree>
-      <p:nvGrpSpPr>
-        <p:cNvPr id="1" name=""/>
-        <p:cNvGrpSpPr/>
-        <p:nvPr/>
-      </p:nvGrpSpPr>
-      <p:grpSpPr>
-        <a:xfrm>
-          <a:off x="0" y="0"/>
-          <a:ext cx="0" cy="0"/>
-          <a:chOff x="0" y="0"/>
-          <a:chExt cx="0" cy="0"/>
-        </a:xfrm>
-      </p:grpSpPr>
-      <p:sp>
-        <p:nvSpPr>
-          <p:cNvPr id="2" name="Title 1">
-            <a:extLst>
-              <a:ext uri="{FF2B5EF4-FFF2-40B4-BE49-F238E27FC236}">
-                <a16:creationId xmlns:a16="http://schemas.microsoft.com/office/drawing/2014/main" id="{5D4DB597-4327-4FA0-9C1D-E76558CA2CD8}"/>
-              </a:ext>
-            </a:extLst>
-          </p:cNvPr>
-          <p:cNvSpPr>
-            <a:spLocks noGrp="1"/>
-          </p:cNvSpPr>
-          <p:nvPr>
-            <p:ph type="title"/>
-          </p:nvPr>
-        </p:nvSpPr>
-        <p:spPr/>
-        <p:txBody>
-          <a:bodyPr/>
-          <a:lstStyle/>
-          <a:p>
-            <a:r>
-              <a:rPr lang="en-US" dirty="0"/>
-              <a:t>Operational transformation</a:t>
-            </a:r>
-            <a:endParaRPr lang="en-IN" dirty="0"/>
-          </a:p>
-        </p:txBody>
-      </p:sp>
-      <p:sp>
-        <p:nvSpPr>
-          <p:cNvPr id="3" name="Content Placeholder 2">
-            <a:extLst>
-              <a:ext uri="{FF2B5EF4-FFF2-40B4-BE49-F238E27FC236}">
-                <a16:creationId xmlns:a16="http://schemas.microsoft.com/office/drawing/2014/main" id="{AE99394F-AB7B-4EFA-8C49-F6D9218C891A}"/>
-              </a:ext>
-            </a:extLst>
-          </p:cNvPr>
-          <p:cNvSpPr>
-            <a:spLocks noGrp="1"/>
-          </p:cNvSpPr>
-          <p:nvPr>
-            <p:ph idx="1"/>
-          </p:nvPr>
-        </p:nvSpPr>
-        <p:spPr/>
-        <p:txBody>
-          <a:bodyPr/>
-          <a:lstStyle/>
-          <a:p>
-            <a:r>
-              <a:rPr lang="en-IN" dirty="0"/>
-              <a:t>OT was originally invented for consistency maintenance and concurrency control in collaborative editing of plain text documents. </a:t>
-            </a:r>
-          </a:p>
-          <a:p>
-            <a:r>
-              <a:rPr lang="en-IN" dirty="0"/>
-              <a:t>The basic idea of OT is to transform (or adjust) the parameters of an editing operation according to the effects of previously executed concurrent operations so that the transformed operation can achieve the correct effect and maintain document consistency.</a:t>
-            </a:r>
-          </a:p>
-        </p:txBody>
-      </p:sp>
-    </p:spTree>
-    <p:extLst>
-      <p:ext uri="{BB962C8B-B14F-4D97-AF65-F5344CB8AC3E}">
-        <p14:creationId xmlns:p14="http://schemas.microsoft.com/office/powerpoint/2010/main" val="4074287005"/>
-      </p:ext>
-    </p:extLst>
-  </p:cSld>
-  <p:clrMapOvr>
-    <a:masterClrMapping/>
-  </p:clrMapOvr>
-</p:sld>
-</file>
-
-<file path=ppt/slides/slide16.xml><?xml version="1.0" encoding="utf-8"?>
-<p:sld xmlns:a="http://schemas.openxmlformats.org/drawingml/2006/main" xmlns:r="http://schemas.openxmlformats.org/officeDocument/2006/relationships" xmlns:p="http://schemas.openxmlformats.org/presentationml/2006/main">
-  <p:cSld>
-    <p:spTree>
-      <p:nvGrpSpPr>
-        <p:cNvPr id="1" name=""/>
-        <p:cNvGrpSpPr/>
-        <p:nvPr/>
-      </p:nvGrpSpPr>
-      <p:grpSpPr>
-        <a:xfrm>
-          <a:off x="0" y="0"/>
-          <a:ext cx="0" cy="0"/>
-          <a:chOff x="0" y="0"/>
-          <a:chExt cx="0" cy="0"/>
-        </a:xfrm>
-      </p:grpSpPr>
-      <p:sp>
-        <p:nvSpPr>
-          <p:cNvPr id="2" name="Title 1">
-            <a:extLst>
-              <a:ext uri="{FF2B5EF4-FFF2-40B4-BE49-F238E27FC236}">
-                <a16:creationId xmlns:a16="http://schemas.microsoft.com/office/drawing/2014/main" id="{CFBE3AED-9780-4283-8322-A5A092B89C93}"/>
-              </a:ext>
-            </a:extLst>
-          </p:cNvPr>
-          <p:cNvSpPr>
-            <a:spLocks noGrp="1"/>
-          </p:cNvSpPr>
-          <p:nvPr>
-            <p:ph type="title"/>
-          </p:nvPr>
-        </p:nvSpPr>
-        <p:spPr/>
-        <p:txBody>
-          <a:bodyPr/>
-          <a:lstStyle/>
-          <a:p>
-            <a:endParaRPr lang="en-IN" dirty="0"/>
-          </a:p>
-        </p:txBody>
-      </p:sp>
-      <p:sp>
-        <p:nvSpPr>
-          <p:cNvPr id="3" name="Content Placeholder 2">
-            <a:extLst>
-              <a:ext uri="{FF2B5EF4-FFF2-40B4-BE49-F238E27FC236}">
-                <a16:creationId xmlns:a16="http://schemas.microsoft.com/office/drawing/2014/main" id="{04C95BD9-2C67-48D2-B2A9-642265B6D1F8}"/>
-              </a:ext>
-            </a:extLst>
-          </p:cNvPr>
-          <p:cNvSpPr>
-            <a:spLocks noGrp="1"/>
-          </p:cNvSpPr>
-          <p:nvPr>
-            <p:ph idx="1"/>
-          </p:nvPr>
-        </p:nvSpPr>
-        <p:spPr>
-          <a:xfrm>
-            <a:off x="1451579" y="2130032"/>
-            <a:ext cx="9603275" cy="3483368"/>
-          </a:xfrm>
-        </p:spPr>
-        <p:txBody>
-          <a:bodyPr>
-            <a:normAutofit lnSpcReduction="10000"/>
-          </a:bodyPr>
-          <a:lstStyle/>
-          <a:p>
-            <a:r>
-              <a:rPr lang="en-IN" dirty="0"/>
-              <a:t>One possible solution we found is called </a:t>
-            </a:r>
-            <a:r>
-              <a:rPr lang="en-IN" b="1" dirty="0"/>
-              <a:t>Operational Transformation (OT)</a:t>
-            </a:r>
-            <a:r>
-              <a:rPr lang="en-IN" dirty="0"/>
-              <a:t>. OT is an algorithm that compares concurrent operations and detects if they will cause the documents to not converge. If the answer is yes, the operations are modified (or transformed) before being applied.</a:t>
-            </a:r>
-          </a:p>
-          <a:p>
-            <a:r>
-              <a:rPr lang="en-IN" dirty="0"/>
-              <a:t>OT treats each character as having a value and an absolute position. And to achieve the commutativity and idempotency required by a collaborative text editor, OT relies primarily on an algorithm.</a:t>
-            </a:r>
-          </a:p>
-          <a:p>
-            <a:pPr marL="0" indent="0">
-              <a:buNone/>
-            </a:pPr>
-            <a:br>
-              <a:rPr lang="en-IN" dirty="0"/>
-            </a:br>
-            <a:endParaRPr lang="en-IN" dirty="0"/>
-          </a:p>
-        </p:txBody>
-      </p:sp>
-    </p:spTree>
-    <p:extLst>
-      <p:ext uri="{BB962C8B-B14F-4D97-AF65-F5344CB8AC3E}">
-        <p14:creationId xmlns:p14="http://schemas.microsoft.com/office/powerpoint/2010/main" val="2520524582"/>
-      </p:ext>
-    </p:extLst>
-  </p:cSld>
-  <p:clrMapOvr>
-    <a:masterClrMapping/>
-  </p:clrMapOvr>
-</p:sld>
-</file>
-
-<file path=ppt/slides/slide17.xml><?xml version="1.0" encoding="utf-8"?>
-<p:sld xmlns:a="http://schemas.openxmlformats.org/drawingml/2006/main" xmlns:r="http://schemas.openxmlformats.org/officeDocument/2006/relationships" xmlns:p="http://schemas.openxmlformats.org/presentationml/2006/main">
-  <p:cSld>
-    <p:spTree>
-      <p:nvGrpSpPr>
-        <p:cNvPr id="1" name=""/>
-        <p:cNvGrpSpPr/>
-        <p:nvPr/>
-      </p:nvGrpSpPr>
-      <p:grpSpPr>
-        <a:xfrm>
-          <a:off x="0" y="0"/>
-          <a:ext cx="0" cy="0"/>
-          <a:chOff x="0" y="0"/>
-          <a:chExt cx="0" cy="0"/>
-        </a:xfrm>
-      </p:grpSpPr>
-      <p:sp>
-        <p:nvSpPr>
-          <p:cNvPr id="2" name="Title 1">
-            <a:extLst>
-              <a:ext uri="{FF2B5EF4-FFF2-40B4-BE49-F238E27FC236}">
-                <a16:creationId xmlns:a16="http://schemas.microsoft.com/office/drawing/2014/main" id="{10BC825C-B712-4D92-8D3C-DCD880F903DB}"/>
-              </a:ext>
-            </a:extLst>
-          </p:cNvPr>
-          <p:cNvSpPr>
-            <a:spLocks noGrp="1"/>
-          </p:cNvSpPr>
-          <p:nvPr>
-            <p:ph type="title"/>
-          </p:nvPr>
-        </p:nvSpPr>
-        <p:spPr/>
-        <p:txBody>
-          <a:bodyPr/>
-          <a:lstStyle/>
-          <a:p>
-            <a:r>
-              <a:rPr lang="en-US" dirty="0">
-                <a:latin typeface="Times New Roman" panose="02020603050405020304" pitchFamily="18" charset="0"/>
-                <a:cs typeface="Times New Roman" panose="02020603050405020304" pitchFamily="18" charset="0"/>
-              </a:rPr>
-              <a:t>Limitations in ot</a:t>
-            </a:r>
-            <a:endParaRPr lang="en-IN" dirty="0">
-              <a:latin typeface="Times New Roman" panose="02020603050405020304" pitchFamily="18" charset="0"/>
-              <a:cs typeface="Times New Roman" panose="02020603050405020304" pitchFamily="18" charset="0"/>
-            </a:endParaRPr>
-          </a:p>
-        </p:txBody>
-      </p:sp>
-      <p:sp>
-        <p:nvSpPr>
-          <p:cNvPr id="3" name="Content Placeholder 2">
-            <a:extLst>
-              <a:ext uri="{FF2B5EF4-FFF2-40B4-BE49-F238E27FC236}">
-                <a16:creationId xmlns:a16="http://schemas.microsoft.com/office/drawing/2014/main" id="{452DFFDE-44DD-4DC1-91EF-283BBF5A4AE1}"/>
-              </a:ext>
-            </a:extLst>
-          </p:cNvPr>
-          <p:cNvSpPr>
-            <a:spLocks noGrp="1"/>
-          </p:cNvSpPr>
-          <p:nvPr>
-            <p:ph idx="1"/>
-          </p:nvPr>
-        </p:nvSpPr>
-        <p:spPr/>
-        <p:txBody>
-          <a:bodyPr/>
-          <a:lstStyle/>
-          <a:p>
-            <a:r>
-              <a:rPr lang="en-IN" dirty="0"/>
-              <a:t>Operational transformation is not always commutative.</a:t>
-            </a:r>
-          </a:p>
-          <a:p>
-            <a:r>
-              <a:rPr lang="en-IN" dirty="0"/>
-              <a:t>Due to the need to consider complicated case coverage, formal proofs are very complicated and error-prone, even for OT algorithms that only treat two character-wise primitives (insert and delete).</a:t>
-            </a:r>
-          </a:p>
-          <a:p>
-            <a:r>
-              <a:rPr lang="en-IN" dirty="0"/>
-              <a:t>The algorithms are really hard and time consuming to implement correctly.  Wave took 2 years to write and if we rewrote it today, it would take almost as long to write a second time.</a:t>
-            </a:r>
-          </a:p>
-        </p:txBody>
-      </p:sp>
-    </p:spTree>
-    <p:extLst>
-      <p:ext uri="{BB962C8B-B14F-4D97-AF65-F5344CB8AC3E}">
-        <p14:creationId xmlns:p14="http://schemas.microsoft.com/office/powerpoint/2010/main" val="3497073738"/>
-      </p:ext>
-    </p:extLst>
-  </p:cSld>
-  <p:clrMapOvr>
-    <a:masterClrMapping/>
-  </p:clrMapOvr>
-</p:sld>
-</file>
-
-<file path=ppt/slides/slide18.xml><?xml version="1.0" encoding="utf-8"?>
-<p:sld xmlns:a="http://schemas.openxmlformats.org/drawingml/2006/main" xmlns:r="http://schemas.openxmlformats.org/officeDocument/2006/relationships" xmlns:p="http://schemas.openxmlformats.org/presentationml/2006/main">
-  <p:cSld>
-    <p:spTree>
-      <p:nvGrpSpPr>
-        <p:cNvPr id="1" name=""/>
-        <p:cNvGrpSpPr/>
-        <p:nvPr/>
-      </p:nvGrpSpPr>
-      <p:grpSpPr>
-        <a:xfrm>
-          <a:off x="0" y="0"/>
-          <a:ext cx="0" cy="0"/>
-          <a:chOff x="0" y="0"/>
-          <a:chExt cx="0" cy="0"/>
-        </a:xfrm>
-      </p:grpSpPr>
-      <p:sp>
-        <p:nvSpPr>
-          <p:cNvPr id="2" name="Title 1">
-            <a:extLst>
-              <a:ext uri="{FF2B5EF4-FFF2-40B4-BE49-F238E27FC236}">
-                <a16:creationId xmlns:a16="http://schemas.microsoft.com/office/drawing/2014/main" id="{F31D2881-46D4-499C-9AA4-7EFCBD675429}"/>
-              </a:ext>
-            </a:extLst>
-          </p:cNvPr>
-          <p:cNvSpPr>
-            <a:spLocks noGrp="1"/>
-          </p:cNvSpPr>
-          <p:nvPr>
-            <p:ph type="title"/>
-          </p:nvPr>
-        </p:nvSpPr>
-        <p:spPr/>
-        <p:txBody>
-          <a:bodyPr/>
-          <a:lstStyle/>
-          <a:p>
-            <a:r>
-              <a:rPr lang="en-US" dirty="0"/>
-              <a:t>crdt</a:t>
-            </a:r>
-            <a:endParaRPr lang="en-IN" dirty="0"/>
-          </a:p>
-        </p:txBody>
-      </p:sp>
-      <p:sp>
-        <p:nvSpPr>
-          <p:cNvPr id="3" name="Content Placeholder 2">
-            <a:extLst>
-              <a:ext uri="{FF2B5EF4-FFF2-40B4-BE49-F238E27FC236}">
-                <a16:creationId xmlns:a16="http://schemas.microsoft.com/office/drawing/2014/main" id="{E173EA59-E352-4854-AD71-32E5C2E50E01}"/>
-              </a:ext>
-            </a:extLst>
-          </p:cNvPr>
-          <p:cNvSpPr>
-            <a:spLocks noGrp="1"/>
-          </p:cNvSpPr>
-          <p:nvPr>
-            <p:ph idx="1"/>
-          </p:nvPr>
-        </p:nvSpPr>
-        <p:spPr/>
-        <p:txBody>
-          <a:bodyPr/>
-          <a:lstStyle/>
-          <a:p>
-            <a:r>
-              <a:rPr lang="en-US" dirty="0">
-                <a:latin typeface="Times New Roman" panose="02020603050405020304" pitchFamily="18" charset="0"/>
-                <a:cs typeface="Times New Roman" panose="02020603050405020304" pitchFamily="18" charset="0"/>
-              </a:rPr>
-              <a:t>While trying to simplify Operational Transformation, Conflict-free data type came into picture.</a:t>
-            </a:r>
-          </a:p>
-          <a:p>
-            <a:r>
-              <a:rPr lang="en-US" dirty="0">
-                <a:latin typeface="Times New Roman" panose="02020603050405020304" pitchFamily="18" charset="0"/>
-                <a:cs typeface="Times New Roman" panose="02020603050405020304" pitchFamily="18" charset="0"/>
-              </a:rPr>
-              <a:t>In CRDT, the underlying structure of text editor is changed.</a:t>
-            </a:r>
-          </a:p>
-          <a:p>
-            <a:r>
-              <a:rPr lang="en-US" dirty="0">
-                <a:latin typeface="Times New Roman" panose="02020603050405020304" pitchFamily="18" charset="0"/>
-                <a:cs typeface="Times New Roman" panose="02020603050405020304" pitchFamily="18" charset="0"/>
-              </a:rPr>
-              <a:t>Instead of seeing a character as a value and absolute position, each character is made globally unique.</a:t>
-            </a:r>
-            <a:endParaRPr lang="en-IN" dirty="0">
-              <a:latin typeface="Times New Roman" panose="02020603050405020304" pitchFamily="18" charset="0"/>
-              <a:cs typeface="Times New Roman" panose="02020603050405020304" pitchFamily="18" charset="0"/>
-            </a:endParaRPr>
-          </a:p>
-          <a:p>
-            <a:pPr marL="0" indent="0">
-              <a:buNone/>
-            </a:pPr>
-            <a:endParaRPr lang="en-US" dirty="0">
-              <a:latin typeface="Times New Roman" panose="02020603050405020304" pitchFamily="18" charset="0"/>
-              <a:cs typeface="Times New Roman" panose="02020603050405020304" pitchFamily="18" charset="0"/>
-            </a:endParaRPr>
-          </a:p>
-        </p:txBody>
-      </p:sp>
-    </p:spTree>
-    <p:extLst>
-      <p:ext uri="{BB962C8B-B14F-4D97-AF65-F5344CB8AC3E}">
-        <p14:creationId xmlns:p14="http://schemas.microsoft.com/office/powerpoint/2010/main" val="547045982"/>
-      </p:ext>
-    </p:extLst>
-  </p:cSld>
-  <p:clrMapOvr>
-    <a:masterClrMapping/>
-  </p:clrMapOvr>
-</p:sld>
-</file>
-
-<file path=ppt/slides/slide19.xml><?xml version="1.0" encoding="utf-8"?>
-<p:sld xmlns:a="http://schemas.openxmlformats.org/drawingml/2006/main" xmlns:r="http://schemas.openxmlformats.org/officeDocument/2006/relationships" xmlns:p="http://schemas.openxmlformats.org/presentationml/2006/main">
-  <p:cSld>
-    <p:spTree>
-      <p:nvGrpSpPr>
-        <p:cNvPr id="1" name=""/>
-        <p:cNvGrpSpPr/>
-        <p:nvPr/>
-      </p:nvGrpSpPr>
-      <p:grpSpPr>
-        <a:xfrm>
-          <a:off x="0" y="0"/>
-          <a:ext cx="0" cy="0"/>
-          <a:chOff x="0" y="0"/>
-          <a:chExt cx="0" cy="0"/>
-        </a:xfrm>
-      </p:grpSpPr>
-      <p:sp>
-        <p:nvSpPr>
-          <p:cNvPr id="2" name="Title 1">
-            <a:extLst>
-              <a:ext uri="{FF2B5EF4-FFF2-40B4-BE49-F238E27FC236}">
-                <a16:creationId xmlns:a16="http://schemas.microsoft.com/office/drawing/2014/main" id="{061C1927-E5A7-4ABD-920F-C52BF65CAC3C}"/>
-              </a:ext>
-            </a:extLst>
-          </p:cNvPr>
-          <p:cNvSpPr>
-            <a:spLocks noGrp="1"/>
-          </p:cNvSpPr>
-          <p:nvPr>
-            <p:ph type="title"/>
-          </p:nvPr>
-        </p:nvSpPr>
-        <p:spPr/>
-        <p:txBody>
-          <a:bodyPr/>
-          <a:lstStyle/>
-          <a:p>
-            <a:r>
-              <a:rPr lang="en-US" dirty="0"/>
-              <a:t>Globally unique id</a:t>
-            </a:r>
-            <a:endParaRPr lang="en-IN" dirty="0"/>
-          </a:p>
-        </p:txBody>
-      </p:sp>
-      <p:sp>
-        <p:nvSpPr>
-          <p:cNvPr id="3" name="Content Placeholder 2">
-            <a:extLst>
-              <a:ext uri="{FF2B5EF4-FFF2-40B4-BE49-F238E27FC236}">
-                <a16:creationId xmlns:a16="http://schemas.microsoft.com/office/drawing/2014/main" id="{3492CDE3-2E52-4C07-9317-AC7B467F6CAE}"/>
-              </a:ext>
-            </a:extLst>
-          </p:cNvPr>
-          <p:cNvSpPr>
-            <a:spLocks noGrp="1"/>
-          </p:cNvSpPr>
-          <p:nvPr>
-            <p:ph idx="1"/>
-          </p:nvPr>
-        </p:nvSpPr>
-        <p:spPr/>
-        <p:txBody>
-          <a:bodyPr>
-            <a:normAutofit/>
-          </a:bodyPr>
-          <a:lstStyle/>
-          <a:p>
-            <a:pPr algn="just"/>
-            <a:r>
-              <a:rPr lang="en-US" dirty="0"/>
-              <a:t>Each character is assigned a site id and site counter when a new character is inserted make it globally unique. </a:t>
-            </a:r>
-          </a:p>
-          <a:p>
-            <a:pPr algn="just"/>
-            <a:r>
-              <a:rPr lang="en-US" dirty="0"/>
-              <a:t>Site id is a unique value assigned to a character.</a:t>
-            </a:r>
-          </a:p>
-          <a:p>
-            <a:pPr algn="just"/>
-            <a:r>
-              <a:rPr lang="en-US" dirty="0"/>
-              <a:t>Site counter is incremented when a character is inserted or deleted. </a:t>
-            </a:r>
-          </a:p>
-        </p:txBody>
-      </p:sp>
-    </p:spTree>
-    <p:extLst>
-      <p:ext uri="{BB962C8B-B14F-4D97-AF65-F5344CB8AC3E}">
-        <p14:creationId xmlns:p14="http://schemas.microsoft.com/office/powerpoint/2010/main" val="2642632523"/>
-      </p:ext>
-    </p:extLst>
-  </p:cSld>
-  <p:clrMapOvr>
-    <a:masterClrMapping/>
-  </p:clrMapOvr>
-</p:sld>
-</file>
-
 <file path=ppt/slides/slide2.xml><?xml version="1.0" encoding="utf-8"?>
 <p:sld xmlns:a="http://schemas.openxmlformats.org/drawingml/2006/main" xmlns:r="http://schemas.openxmlformats.org/officeDocument/2006/relationships" xmlns:p="http://schemas.openxmlformats.org/presentationml/2006/main">
   <p:cSld>
@@ -5147,6 +5265,748 @@
       </p:grpSpPr>
       <p:sp>
         <p:nvSpPr>
+          <p:cNvPr id="7" name="Title 6">
+            <a:extLst>
+              <a:ext uri="{FF2B5EF4-FFF2-40B4-BE49-F238E27FC236}">
+                <a16:creationId xmlns:a16="http://schemas.microsoft.com/office/drawing/2014/main" id="{A64E812B-325E-4789-AF2E-688DE34E1AD1}"/>
+              </a:ext>
+            </a:extLst>
+          </p:cNvPr>
+          <p:cNvSpPr>
+            <a:spLocks noGrp="1"/>
+          </p:cNvSpPr>
+          <p:nvPr>
+            <p:ph type="title"/>
+          </p:nvPr>
+        </p:nvSpPr>
+        <p:spPr/>
+        <p:txBody>
+          <a:bodyPr/>
+          <a:lstStyle/>
+          <a:p>
+            <a:r>
+              <a:rPr lang="en-US" dirty="0"/>
+              <a:t>terms</a:t>
+            </a:r>
+            <a:endParaRPr lang="en-IN" dirty="0"/>
+          </a:p>
+        </p:txBody>
+      </p:sp>
+      <p:sp>
+        <p:nvSpPr>
+          <p:cNvPr id="8" name="Content Placeholder 7">
+            <a:extLst>
+              <a:ext uri="{FF2B5EF4-FFF2-40B4-BE49-F238E27FC236}">
+                <a16:creationId xmlns:a16="http://schemas.microsoft.com/office/drawing/2014/main" id="{3C88842E-8169-4A0B-8FDB-DEDCA56513AB}"/>
+              </a:ext>
+            </a:extLst>
+          </p:cNvPr>
+          <p:cNvSpPr>
+            <a:spLocks noGrp="1"/>
+          </p:cNvSpPr>
+          <p:nvPr>
+            <p:ph idx="1"/>
+          </p:nvPr>
+        </p:nvSpPr>
+        <p:spPr>
+          <a:xfrm>
+            <a:off x="1451579" y="1942654"/>
+            <a:ext cx="9603275" cy="3450613"/>
+          </a:xfrm>
+        </p:spPr>
+        <p:txBody>
+          <a:bodyPr>
+            <a:normAutofit fontScale="85000" lnSpcReduction="20000"/>
+          </a:bodyPr>
+          <a:lstStyle/>
+          <a:p>
+            <a:r>
+              <a:rPr lang="en-US" sz="1800" dirty="0">
+                <a:latin typeface="Times New Roman" panose="02020603050405020304" pitchFamily="18" charset="0"/>
+                <a:cs typeface="Times New Roman" panose="02020603050405020304" pitchFamily="18" charset="0"/>
+              </a:rPr>
+              <a:t>Commutative</a:t>
+            </a:r>
+          </a:p>
+          <a:p>
+            <a:pPr lvl="1"/>
+            <a:r>
+              <a:rPr lang="en-US" dirty="0">
+                <a:latin typeface="Times New Roman" panose="02020603050405020304" pitchFamily="18" charset="0"/>
+                <a:cs typeface="Times New Roman" panose="02020603050405020304" pitchFamily="18" charset="0"/>
+              </a:rPr>
+              <a:t>The change in operation order should not change the result.</a:t>
+            </a:r>
+          </a:p>
+          <a:p>
+            <a:r>
+              <a:rPr lang="en-US" dirty="0">
+                <a:latin typeface="Times New Roman" panose="02020603050405020304" pitchFamily="18" charset="0"/>
+                <a:cs typeface="Times New Roman" panose="02020603050405020304" pitchFamily="18" charset="0"/>
+              </a:rPr>
+              <a:t>Associativity</a:t>
+            </a:r>
+          </a:p>
+          <a:p>
+            <a:pPr lvl="1"/>
+            <a:r>
+              <a:rPr lang="en-US" dirty="0">
+                <a:latin typeface="Times New Roman" panose="02020603050405020304" pitchFamily="18" charset="0"/>
+                <a:cs typeface="Times New Roman" panose="02020603050405020304" pitchFamily="18" charset="0"/>
+              </a:rPr>
+              <a:t>The grouping of operations doesn’t matter.</a:t>
+            </a:r>
+          </a:p>
+          <a:p>
+            <a:r>
+              <a:rPr lang="en-US" sz="1800" dirty="0">
+                <a:latin typeface="Times New Roman" panose="02020603050405020304" pitchFamily="18" charset="0"/>
+                <a:cs typeface="Times New Roman" panose="02020603050405020304" pitchFamily="18" charset="0"/>
+              </a:rPr>
+              <a:t>Idempotence</a:t>
+            </a:r>
+          </a:p>
+          <a:p>
+            <a:pPr lvl="1"/>
+            <a:r>
+              <a:rPr lang="en-US" dirty="0">
+                <a:latin typeface="Times New Roman" panose="02020603050405020304" pitchFamily="18" charset="0"/>
+                <a:cs typeface="Times New Roman" panose="02020603050405020304" pitchFamily="18" charset="0"/>
+              </a:rPr>
+              <a:t>Applying an operation more than once should not affect the result. </a:t>
+            </a:r>
+          </a:p>
+          <a:p>
+            <a:r>
+              <a:rPr lang="en-IN" sz="1800" dirty="0">
+                <a:latin typeface="Times New Roman" panose="02020603050405020304" pitchFamily="18" charset="0"/>
+                <a:cs typeface="Times New Roman" panose="02020603050405020304" pitchFamily="18" charset="0"/>
+              </a:rPr>
+              <a:t>Partial order</a:t>
+            </a:r>
+          </a:p>
+          <a:p>
+            <a:pPr lvl="1"/>
+            <a:r>
+              <a:rPr lang="en-IN" dirty="0">
+                <a:latin typeface="Times New Roman" panose="02020603050405020304" pitchFamily="18" charset="0"/>
+                <a:cs typeface="Times New Roman" panose="02020603050405020304" pitchFamily="18" charset="0"/>
+              </a:rPr>
+              <a:t>Reflexivity + Transitivity + Antisymmetry.</a:t>
+            </a:r>
+          </a:p>
+          <a:p>
+            <a:r>
+              <a:rPr lang="en-IN" sz="1800" dirty="0">
+                <a:latin typeface="Times New Roman" panose="02020603050405020304" pitchFamily="18" charset="0"/>
+                <a:cs typeface="Times New Roman" panose="02020603050405020304" pitchFamily="18" charset="0"/>
+              </a:rPr>
+              <a:t>Semilattice</a:t>
+            </a:r>
+          </a:p>
+          <a:p>
+            <a:pPr lvl="1"/>
+            <a:r>
+              <a:rPr lang="en-IN" dirty="0">
+                <a:latin typeface="Times New Roman" panose="02020603050405020304" pitchFamily="18" charset="0"/>
+                <a:cs typeface="Times New Roman" panose="02020603050405020304" pitchFamily="18" charset="0"/>
+              </a:rPr>
+              <a:t>Partially ordered set with exact upper (lower) face</a:t>
+            </a:r>
+          </a:p>
+          <a:p>
+            <a:endParaRPr lang="en-US" sz="1800" dirty="0">
+              <a:latin typeface="Times New Roman" panose="02020603050405020304" pitchFamily="18" charset="0"/>
+              <a:cs typeface="Times New Roman" panose="02020603050405020304" pitchFamily="18" charset="0"/>
+            </a:endParaRPr>
+          </a:p>
+          <a:p>
+            <a:endParaRPr lang="en-IN" sz="1800" dirty="0">
+              <a:latin typeface="Times New Roman" panose="02020603050405020304" pitchFamily="18" charset="0"/>
+              <a:cs typeface="Times New Roman" panose="02020603050405020304" pitchFamily="18" charset="0"/>
+            </a:endParaRPr>
+          </a:p>
+        </p:txBody>
+      </p:sp>
+    </p:spTree>
+    <p:extLst>
+      <p:ext uri="{BB962C8B-B14F-4D97-AF65-F5344CB8AC3E}">
+        <p14:creationId xmlns:p14="http://schemas.microsoft.com/office/powerpoint/2010/main" val="723282055"/>
+      </p:ext>
+    </p:extLst>
+  </p:cSld>
+  <p:clrMapOvr>
+    <a:masterClrMapping/>
+  </p:clrMapOvr>
+</p:sld>
+</file>
+
+<file path=ppt/slides/slide21.xml><?xml version="1.0" encoding="utf-8"?>
+<p:sld xmlns:a="http://schemas.openxmlformats.org/drawingml/2006/main" xmlns:r="http://schemas.openxmlformats.org/officeDocument/2006/relationships" xmlns:p="http://schemas.openxmlformats.org/presentationml/2006/main">
+  <p:cSld>
+    <p:spTree>
+      <p:nvGrpSpPr>
+        <p:cNvPr id="1" name=""/>
+        <p:cNvGrpSpPr/>
+        <p:nvPr/>
+      </p:nvGrpSpPr>
+      <p:grpSpPr>
+        <a:xfrm>
+          <a:off x="0" y="0"/>
+          <a:ext cx="0" cy="0"/>
+          <a:chOff x="0" y="0"/>
+          <a:chExt cx="0" cy="0"/>
+        </a:xfrm>
+      </p:grpSpPr>
+      <p:sp>
+        <p:nvSpPr>
+          <p:cNvPr id="2" name="Title 1">
+            <a:extLst>
+              <a:ext uri="{FF2B5EF4-FFF2-40B4-BE49-F238E27FC236}">
+                <a16:creationId xmlns:a16="http://schemas.microsoft.com/office/drawing/2014/main" id="{5D4DB597-4327-4FA0-9C1D-E76558CA2CD8}"/>
+              </a:ext>
+            </a:extLst>
+          </p:cNvPr>
+          <p:cNvSpPr>
+            <a:spLocks noGrp="1"/>
+          </p:cNvSpPr>
+          <p:nvPr>
+            <p:ph type="title"/>
+          </p:nvPr>
+        </p:nvSpPr>
+        <p:spPr/>
+        <p:txBody>
+          <a:bodyPr/>
+          <a:lstStyle/>
+          <a:p>
+            <a:r>
+              <a:rPr lang="en-US" dirty="0"/>
+              <a:t>Operational transformation</a:t>
+            </a:r>
+            <a:endParaRPr lang="en-IN" dirty="0"/>
+          </a:p>
+        </p:txBody>
+      </p:sp>
+      <p:sp>
+        <p:nvSpPr>
+          <p:cNvPr id="3" name="Content Placeholder 2">
+            <a:extLst>
+              <a:ext uri="{FF2B5EF4-FFF2-40B4-BE49-F238E27FC236}">
+                <a16:creationId xmlns:a16="http://schemas.microsoft.com/office/drawing/2014/main" id="{AE99394F-AB7B-4EFA-8C49-F6D9218C891A}"/>
+              </a:ext>
+            </a:extLst>
+          </p:cNvPr>
+          <p:cNvSpPr>
+            <a:spLocks noGrp="1"/>
+          </p:cNvSpPr>
+          <p:nvPr>
+            <p:ph idx="1"/>
+          </p:nvPr>
+        </p:nvSpPr>
+        <p:spPr/>
+        <p:txBody>
+          <a:bodyPr/>
+          <a:lstStyle/>
+          <a:p>
+            <a:r>
+              <a:rPr lang="en-IN" dirty="0"/>
+              <a:t>OT was originally invented for consistency maintenance and concurrency control in collaborative editing of plain text documents. </a:t>
+            </a:r>
+          </a:p>
+          <a:p>
+            <a:r>
+              <a:rPr lang="en-IN" dirty="0"/>
+              <a:t>The basic idea of OT is to transform (or adjust) the parameters of an editing operation according to the effects of previously executed concurrent operations so that the transformed operation can achieve the correct effect and maintain document consistency.</a:t>
+            </a:r>
+          </a:p>
+        </p:txBody>
+      </p:sp>
+    </p:spTree>
+    <p:extLst>
+      <p:ext uri="{BB962C8B-B14F-4D97-AF65-F5344CB8AC3E}">
+        <p14:creationId xmlns:p14="http://schemas.microsoft.com/office/powerpoint/2010/main" val="4074287005"/>
+      </p:ext>
+    </p:extLst>
+  </p:cSld>
+  <p:clrMapOvr>
+    <a:masterClrMapping/>
+  </p:clrMapOvr>
+</p:sld>
+</file>
+
+<file path=ppt/slides/slide22.xml><?xml version="1.0" encoding="utf-8"?>
+<p:sld xmlns:a="http://schemas.openxmlformats.org/drawingml/2006/main" xmlns:r="http://schemas.openxmlformats.org/officeDocument/2006/relationships" xmlns:p="http://schemas.openxmlformats.org/presentationml/2006/main">
+  <p:cSld>
+    <p:spTree>
+      <p:nvGrpSpPr>
+        <p:cNvPr id="1" name=""/>
+        <p:cNvGrpSpPr/>
+        <p:nvPr/>
+      </p:nvGrpSpPr>
+      <p:grpSpPr>
+        <a:xfrm>
+          <a:off x="0" y="0"/>
+          <a:ext cx="0" cy="0"/>
+          <a:chOff x="0" y="0"/>
+          <a:chExt cx="0" cy="0"/>
+        </a:xfrm>
+      </p:grpSpPr>
+      <p:sp>
+        <p:nvSpPr>
+          <p:cNvPr id="2" name="Title 1">
+            <a:extLst>
+              <a:ext uri="{FF2B5EF4-FFF2-40B4-BE49-F238E27FC236}">
+                <a16:creationId xmlns:a16="http://schemas.microsoft.com/office/drawing/2014/main" id="{CFBE3AED-9780-4283-8322-A5A092B89C93}"/>
+              </a:ext>
+            </a:extLst>
+          </p:cNvPr>
+          <p:cNvSpPr>
+            <a:spLocks noGrp="1"/>
+          </p:cNvSpPr>
+          <p:nvPr>
+            <p:ph type="title"/>
+          </p:nvPr>
+        </p:nvSpPr>
+        <p:spPr/>
+        <p:txBody>
+          <a:bodyPr/>
+          <a:lstStyle/>
+          <a:p>
+            <a:r>
+              <a:rPr lang="en-US" i="1" dirty="0">
+                <a:latin typeface="Times New Roman" panose="02020603050405020304" pitchFamily="18" charset="0"/>
+                <a:cs typeface="Times New Roman" panose="02020603050405020304" pitchFamily="18" charset="0"/>
+              </a:rPr>
+              <a:t>Continued</a:t>
+            </a:r>
+            <a:r>
+              <a:rPr lang="en-US" cap="none" dirty="0"/>
+              <a:t>..</a:t>
+            </a:r>
+            <a:endParaRPr lang="en-IN" dirty="0"/>
+          </a:p>
+        </p:txBody>
+      </p:sp>
+      <p:sp>
+        <p:nvSpPr>
+          <p:cNvPr id="3" name="Content Placeholder 2">
+            <a:extLst>
+              <a:ext uri="{FF2B5EF4-FFF2-40B4-BE49-F238E27FC236}">
+                <a16:creationId xmlns:a16="http://schemas.microsoft.com/office/drawing/2014/main" id="{04C95BD9-2C67-48D2-B2A9-642265B6D1F8}"/>
+              </a:ext>
+            </a:extLst>
+          </p:cNvPr>
+          <p:cNvSpPr>
+            <a:spLocks noGrp="1"/>
+          </p:cNvSpPr>
+          <p:nvPr>
+            <p:ph idx="1"/>
+          </p:nvPr>
+        </p:nvSpPr>
+        <p:spPr>
+          <a:xfrm>
+            <a:off x="1451579" y="2130032"/>
+            <a:ext cx="9603275" cy="3483368"/>
+          </a:xfrm>
+        </p:spPr>
+        <p:txBody>
+          <a:bodyPr>
+            <a:normAutofit lnSpcReduction="10000"/>
+          </a:bodyPr>
+          <a:lstStyle/>
+          <a:p>
+            <a:r>
+              <a:rPr lang="en-IN" dirty="0"/>
+              <a:t>One possible solution we found is called </a:t>
+            </a:r>
+            <a:r>
+              <a:rPr lang="en-IN" b="1" dirty="0"/>
+              <a:t>Operational Transformation (OT)</a:t>
+            </a:r>
+            <a:r>
+              <a:rPr lang="en-IN" dirty="0"/>
+              <a:t>. OT is an algorithm that compares concurrent operations and detects if they will cause the documents to not converge. If the answer is yes, the operations are modified (or transformed) before being applied.</a:t>
+            </a:r>
+          </a:p>
+          <a:p>
+            <a:r>
+              <a:rPr lang="en-IN" dirty="0"/>
+              <a:t>OT treats each character as having a value and an absolute position. And to achieve the commutativity and idempotency required by a collaborative text editor, OT relies primarily on an algorithm.</a:t>
+            </a:r>
+          </a:p>
+          <a:p>
+            <a:pPr marL="0" indent="0">
+              <a:buNone/>
+            </a:pPr>
+            <a:br>
+              <a:rPr lang="en-IN" dirty="0"/>
+            </a:br>
+            <a:endParaRPr lang="en-IN" dirty="0"/>
+          </a:p>
+        </p:txBody>
+      </p:sp>
+    </p:spTree>
+    <p:extLst>
+      <p:ext uri="{BB962C8B-B14F-4D97-AF65-F5344CB8AC3E}">
+        <p14:creationId xmlns:p14="http://schemas.microsoft.com/office/powerpoint/2010/main" val="2520524582"/>
+      </p:ext>
+    </p:extLst>
+  </p:cSld>
+  <p:clrMapOvr>
+    <a:masterClrMapping/>
+  </p:clrMapOvr>
+</p:sld>
+</file>
+
+<file path=ppt/slides/slide23.xml><?xml version="1.0" encoding="utf-8"?>
+<p:sld xmlns:a="http://schemas.openxmlformats.org/drawingml/2006/main" xmlns:r="http://schemas.openxmlformats.org/officeDocument/2006/relationships" xmlns:p="http://schemas.openxmlformats.org/presentationml/2006/main">
+  <p:cSld>
+    <p:spTree>
+      <p:nvGrpSpPr>
+        <p:cNvPr id="1" name=""/>
+        <p:cNvGrpSpPr/>
+        <p:nvPr/>
+      </p:nvGrpSpPr>
+      <p:grpSpPr>
+        <a:xfrm>
+          <a:off x="0" y="0"/>
+          <a:ext cx="0" cy="0"/>
+          <a:chOff x="0" y="0"/>
+          <a:chExt cx="0" cy="0"/>
+        </a:xfrm>
+      </p:grpSpPr>
+      <p:sp>
+        <p:nvSpPr>
+          <p:cNvPr id="2" name="Title 1">
+            <a:extLst>
+              <a:ext uri="{FF2B5EF4-FFF2-40B4-BE49-F238E27FC236}">
+                <a16:creationId xmlns:a16="http://schemas.microsoft.com/office/drawing/2014/main" id="{10BC825C-B712-4D92-8D3C-DCD880F903DB}"/>
+              </a:ext>
+            </a:extLst>
+          </p:cNvPr>
+          <p:cNvSpPr>
+            <a:spLocks noGrp="1"/>
+          </p:cNvSpPr>
+          <p:nvPr>
+            <p:ph type="title"/>
+          </p:nvPr>
+        </p:nvSpPr>
+        <p:spPr/>
+        <p:txBody>
+          <a:bodyPr/>
+          <a:lstStyle/>
+          <a:p>
+            <a:r>
+              <a:rPr lang="en-US" dirty="0">
+                <a:latin typeface="Times New Roman" panose="02020603050405020304" pitchFamily="18" charset="0"/>
+                <a:cs typeface="Times New Roman" panose="02020603050405020304" pitchFamily="18" charset="0"/>
+              </a:rPr>
+              <a:t>Limitations in ot</a:t>
+            </a:r>
+            <a:endParaRPr lang="en-IN" dirty="0">
+              <a:latin typeface="Times New Roman" panose="02020603050405020304" pitchFamily="18" charset="0"/>
+              <a:cs typeface="Times New Roman" panose="02020603050405020304" pitchFamily="18" charset="0"/>
+            </a:endParaRPr>
+          </a:p>
+        </p:txBody>
+      </p:sp>
+      <p:sp>
+        <p:nvSpPr>
+          <p:cNvPr id="3" name="Content Placeholder 2">
+            <a:extLst>
+              <a:ext uri="{FF2B5EF4-FFF2-40B4-BE49-F238E27FC236}">
+                <a16:creationId xmlns:a16="http://schemas.microsoft.com/office/drawing/2014/main" id="{452DFFDE-44DD-4DC1-91EF-283BBF5A4AE1}"/>
+              </a:ext>
+            </a:extLst>
+          </p:cNvPr>
+          <p:cNvSpPr>
+            <a:spLocks noGrp="1"/>
+          </p:cNvSpPr>
+          <p:nvPr>
+            <p:ph idx="1"/>
+          </p:nvPr>
+        </p:nvSpPr>
+        <p:spPr/>
+        <p:txBody>
+          <a:bodyPr/>
+          <a:lstStyle/>
+          <a:p>
+            <a:r>
+              <a:rPr lang="en-IN" dirty="0"/>
+              <a:t>Operational transformation is not always commutative.</a:t>
+            </a:r>
+          </a:p>
+          <a:p>
+            <a:r>
+              <a:rPr lang="en-IN" dirty="0"/>
+              <a:t>Due to the need to consider complicated case coverage, formal proofs are very complicated and error-prone, even for OT algorithms that only treat two character-wise primitives (insert and delete).</a:t>
+            </a:r>
+          </a:p>
+          <a:p>
+            <a:r>
+              <a:rPr lang="en-IN" dirty="0"/>
+              <a:t>The algorithms are really hard and time consuming to implement correctly.  Wave took 2 years to write and if we rewrote it today, it would take almost as long to write a second time.</a:t>
+            </a:r>
+          </a:p>
+        </p:txBody>
+      </p:sp>
+    </p:spTree>
+    <p:extLst>
+      <p:ext uri="{BB962C8B-B14F-4D97-AF65-F5344CB8AC3E}">
+        <p14:creationId xmlns:p14="http://schemas.microsoft.com/office/powerpoint/2010/main" val="3497073738"/>
+      </p:ext>
+    </p:extLst>
+  </p:cSld>
+  <p:clrMapOvr>
+    <a:masterClrMapping/>
+  </p:clrMapOvr>
+</p:sld>
+</file>
+
+<file path=ppt/slides/slide24.xml><?xml version="1.0" encoding="utf-8"?>
+<p:sld xmlns:a="http://schemas.openxmlformats.org/drawingml/2006/main" xmlns:r="http://schemas.openxmlformats.org/officeDocument/2006/relationships" xmlns:p="http://schemas.openxmlformats.org/presentationml/2006/main">
+  <p:cSld>
+    <p:spTree>
+      <p:nvGrpSpPr>
+        <p:cNvPr id="1" name=""/>
+        <p:cNvGrpSpPr/>
+        <p:nvPr/>
+      </p:nvGrpSpPr>
+      <p:grpSpPr>
+        <a:xfrm>
+          <a:off x="0" y="0"/>
+          <a:ext cx="0" cy="0"/>
+          <a:chOff x="0" y="0"/>
+          <a:chExt cx="0" cy="0"/>
+        </a:xfrm>
+      </p:grpSpPr>
+      <p:sp>
+        <p:nvSpPr>
+          <p:cNvPr id="2" name="Title 1">
+            <a:extLst>
+              <a:ext uri="{FF2B5EF4-FFF2-40B4-BE49-F238E27FC236}">
+                <a16:creationId xmlns:a16="http://schemas.microsoft.com/office/drawing/2014/main" id="{F31D2881-46D4-499C-9AA4-7EFCBD675429}"/>
+              </a:ext>
+            </a:extLst>
+          </p:cNvPr>
+          <p:cNvSpPr>
+            <a:spLocks noGrp="1"/>
+          </p:cNvSpPr>
+          <p:nvPr>
+            <p:ph type="title"/>
+          </p:nvPr>
+        </p:nvSpPr>
+        <p:spPr/>
+        <p:txBody>
+          <a:bodyPr/>
+          <a:lstStyle/>
+          <a:p>
+            <a:r>
+              <a:rPr lang="en-US" dirty="0"/>
+              <a:t>Crdt in collaborative editing</a:t>
+            </a:r>
+            <a:endParaRPr lang="en-IN" dirty="0"/>
+          </a:p>
+        </p:txBody>
+      </p:sp>
+      <p:sp>
+        <p:nvSpPr>
+          <p:cNvPr id="3" name="Content Placeholder 2">
+            <a:extLst>
+              <a:ext uri="{FF2B5EF4-FFF2-40B4-BE49-F238E27FC236}">
+                <a16:creationId xmlns:a16="http://schemas.microsoft.com/office/drawing/2014/main" id="{E173EA59-E352-4854-AD71-32E5C2E50E01}"/>
+              </a:ext>
+            </a:extLst>
+          </p:cNvPr>
+          <p:cNvSpPr>
+            <a:spLocks noGrp="1"/>
+          </p:cNvSpPr>
+          <p:nvPr>
+            <p:ph idx="1"/>
+          </p:nvPr>
+        </p:nvSpPr>
+        <p:spPr/>
+        <p:txBody>
+          <a:bodyPr/>
+          <a:lstStyle/>
+          <a:p>
+            <a:r>
+              <a:rPr lang="en-US" dirty="0">
+                <a:latin typeface="Times New Roman" panose="02020603050405020304" pitchFamily="18" charset="0"/>
+                <a:cs typeface="Times New Roman" panose="02020603050405020304" pitchFamily="18" charset="0"/>
+              </a:rPr>
+              <a:t>While trying to simplify Operational Transformation, Conflict-free data type came into picture.</a:t>
+            </a:r>
+          </a:p>
+          <a:p>
+            <a:r>
+              <a:rPr lang="en-US" dirty="0">
+                <a:latin typeface="Times New Roman" panose="02020603050405020304" pitchFamily="18" charset="0"/>
+                <a:cs typeface="Times New Roman" panose="02020603050405020304" pitchFamily="18" charset="0"/>
+              </a:rPr>
+              <a:t>In CRDT, the underlying structure of text editor is changed.</a:t>
+            </a:r>
+          </a:p>
+          <a:p>
+            <a:r>
+              <a:rPr lang="en-US" dirty="0">
+                <a:latin typeface="Times New Roman" panose="02020603050405020304" pitchFamily="18" charset="0"/>
+                <a:cs typeface="Times New Roman" panose="02020603050405020304" pitchFamily="18" charset="0"/>
+              </a:rPr>
+              <a:t>Instead of seeing a character as a value and absolute position, each character is made globally unique.</a:t>
+            </a:r>
+            <a:endParaRPr lang="en-IN" dirty="0">
+              <a:latin typeface="Times New Roman" panose="02020603050405020304" pitchFamily="18" charset="0"/>
+              <a:cs typeface="Times New Roman" panose="02020603050405020304" pitchFamily="18" charset="0"/>
+            </a:endParaRPr>
+          </a:p>
+          <a:p>
+            <a:pPr marL="0" indent="0">
+              <a:buNone/>
+            </a:pPr>
+            <a:endParaRPr lang="en-US" dirty="0">
+              <a:latin typeface="Times New Roman" panose="02020603050405020304" pitchFamily="18" charset="0"/>
+              <a:cs typeface="Times New Roman" panose="02020603050405020304" pitchFamily="18" charset="0"/>
+            </a:endParaRPr>
+          </a:p>
+        </p:txBody>
+      </p:sp>
+    </p:spTree>
+    <p:extLst>
+      <p:ext uri="{BB962C8B-B14F-4D97-AF65-F5344CB8AC3E}">
+        <p14:creationId xmlns:p14="http://schemas.microsoft.com/office/powerpoint/2010/main" val="547045982"/>
+      </p:ext>
+    </p:extLst>
+  </p:cSld>
+  <p:clrMapOvr>
+    <a:masterClrMapping/>
+  </p:clrMapOvr>
+</p:sld>
+</file>
+
+<file path=ppt/slides/slide25.xml><?xml version="1.0" encoding="utf-8"?>
+<p:sld xmlns:a="http://schemas.openxmlformats.org/drawingml/2006/main" xmlns:r="http://schemas.openxmlformats.org/officeDocument/2006/relationships" xmlns:p="http://schemas.openxmlformats.org/presentationml/2006/main">
+  <p:cSld>
+    <p:spTree>
+      <p:nvGrpSpPr>
+        <p:cNvPr id="1" name=""/>
+        <p:cNvGrpSpPr/>
+        <p:nvPr/>
+      </p:nvGrpSpPr>
+      <p:grpSpPr>
+        <a:xfrm>
+          <a:off x="0" y="0"/>
+          <a:ext cx="0" cy="0"/>
+          <a:chOff x="0" y="0"/>
+          <a:chExt cx="0" cy="0"/>
+        </a:xfrm>
+      </p:grpSpPr>
+      <p:sp>
+        <p:nvSpPr>
+          <p:cNvPr id="2" name="Title 1">
+            <a:extLst>
+              <a:ext uri="{FF2B5EF4-FFF2-40B4-BE49-F238E27FC236}">
+                <a16:creationId xmlns:a16="http://schemas.microsoft.com/office/drawing/2014/main" id="{061C1927-E5A7-4ABD-920F-C52BF65CAC3C}"/>
+              </a:ext>
+            </a:extLst>
+          </p:cNvPr>
+          <p:cNvSpPr>
+            <a:spLocks noGrp="1"/>
+          </p:cNvSpPr>
+          <p:nvPr>
+            <p:ph type="title"/>
+          </p:nvPr>
+        </p:nvSpPr>
+        <p:spPr/>
+        <p:txBody>
+          <a:bodyPr/>
+          <a:lstStyle/>
+          <a:p>
+            <a:r>
+              <a:rPr lang="en-US" dirty="0"/>
+              <a:t>Globally unique id</a:t>
+            </a:r>
+            <a:endParaRPr lang="en-IN" dirty="0"/>
+          </a:p>
+        </p:txBody>
+      </p:sp>
+      <p:sp>
+        <p:nvSpPr>
+          <p:cNvPr id="3" name="Content Placeholder 2">
+            <a:extLst>
+              <a:ext uri="{FF2B5EF4-FFF2-40B4-BE49-F238E27FC236}">
+                <a16:creationId xmlns:a16="http://schemas.microsoft.com/office/drawing/2014/main" id="{3492CDE3-2E52-4C07-9317-AC7B467F6CAE}"/>
+              </a:ext>
+            </a:extLst>
+          </p:cNvPr>
+          <p:cNvSpPr>
+            <a:spLocks noGrp="1"/>
+          </p:cNvSpPr>
+          <p:nvPr>
+            <p:ph idx="1"/>
+          </p:nvPr>
+        </p:nvSpPr>
+        <p:spPr/>
+        <p:txBody>
+          <a:bodyPr>
+            <a:normAutofit/>
+          </a:bodyPr>
+          <a:lstStyle/>
+          <a:p>
+            <a:pPr algn="just"/>
+            <a:r>
+              <a:rPr lang="en-US" dirty="0"/>
+              <a:t>Each character is assigned a site id and site counter when a new character is inserted make it globally unique. </a:t>
+            </a:r>
+          </a:p>
+          <a:p>
+            <a:pPr algn="just"/>
+            <a:r>
+              <a:rPr lang="en-US" dirty="0"/>
+              <a:t>Site id is a unique value assigned to a character.</a:t>
+            </a:r>
+          </a:p>
+          <a:p>
+            <a:pPr algn="just"/>
+            <a:r>
+              <a:rPr lang="en-US" dirty="0"/>
+              <a:t>Site counter is incremented when a character is inserted or deleted. </a:t>
+            </a:r>
+          </a:p>
+        </p:txBody>
+      </p:sp>
+    </p:spTree>
+    <p:extLst>
+      <p:ext uri="{BB962C8B-B14F-4D97-AF65-F5344CB8AC3E}">
+        <p14:creationId xmlns:p14="http://schemas.microsoft.com/office/powerpoint/2010/main" val="2642632523"/>
+      </p:ext>
+    </p:extLst>
+  </p:cSld>
+  <p:clrMapOvr>
+    <a:masterClrMapping/>
+  </p:clrMapOvr>
+</p:sld>
+</file>
+
+<file path=ppt/slides/slide26.xml><?xml version="1.0" encoding="utf-8"?>
+<p:sld xmlns:a="http://schemas.openxmlformats.org/drawingml/2006/main" xmlns:r="http://schemas.openxmlformats.org/officeDocument/2006/relationships" xmlns:p="http://schemas.openxmlformats.org/presentationml/2006/main">
+  <p:cSld>
+    <p:spTree>
+      <p:nvGrpSpPr>
+        <p:cNvPr id="1" name=""/>
+        <p:cNvGrpSpPr/>
+        <p:nvPr/>
+      </p:nvGrpSpPr>
+      <p:grpSpPr>
+        <a:xfrm>
+          <a:off x="0" y="0"/>
+          <a:ext cx="0" cy="0"/>
+          <a:chOff x="0" y="0"/>
+          <a:chExt cx="0" cy="0"/>
+        </a:xfrm>
+      </p:grpSpPr>
+      <p:sp>
+        <p:nvSpPr>
           <p:cNvPr id="2" name="Title 1">
             <a:extLst>
               <a:ext uri="{FF2B5EF4-FFF2-40B4-BE49-F238E27FC236}">
@@ -5166,7 +6026,18 @@
           <a:bodyPr/>
           <a:lstStyle/>
           <a:p>
-            <a:endParaRPr lang="en-IN"/>
+            <a:r>
+              <a:rPr lang="en-US" i="1" dirty="0">
+                <a:latin typeface="Times New Roman" panose="02020603050405020304" pitchFamily="18" charset="0"/>
+                <a:cs typeface="Times New Roman" panose="02020603050405020304" pitchFamily="18" charset="0"/>
+              </a:rPr>
+              <a:t>Continued</a:t>
+            </a:r>
+            <a:r>
+              <a:rPr lang="en-US" cap="none" dirty="0"/>
+              <a:t>..</a:t>
+            </a:r>
+            <a:endParaRPr lang="en-IN" dirty="0"/>
           </a:p>
         </p:txBody>
       </p:sp>
@@ -5218,7 +6089,7 @@
 </p:sld>
 </file>
 
-<file path=ppt/slides/slide21.xml><?xml version="1.0" encoding="utf-8"?>
+<file path=ppt/slides/slide27.xml><?xml version="1.0" encoding="utf-8"?>
 <p:sld xmlns:a="http://schemas.openxmlformats.org/drawingml/2006/main" xmlns:r="http://schemas.openxmlformats.org/officeDocument/2006/relationships" xmlns:p="http://schemas.openxmlformats.org/presentationml/2006/main">
   <p:cSld>
     <p:spTree>
@@ -5447,7 +6318,7 @@
 </p:sld>
 </file>
 
-<file path=ppt/slides/slide22.xml><?xml version="1.0" encoding="utf-8"?>
+<file path=ppt/slides/slide28.xml><?xml version="1.0" encoding="utf-8"?>
 <p:sld xmlns:a="http://schemas.openxmlformats.org/drawingml/2006/main" xmlns:r="http://schemas.openxmlformats.org/officeDocument/2006/relationships" xmlns:p="http://schemas.openxmlformats.org/presentationml/2006/main">
   <p:cSld>
     <p:spTree>
@@ -5486,8 +6357,15 @@
           <a:lstStyle/>
           <a:p>
             <a:r>
+              <a:rPr lang="en-US" i="1" dirty="0">
+                <a:latin typeface="Times New Roman" panose="02020603050405020304" pitchFamily="18" charset="0"/>
+                <a:cs typeface="Times New Roman" panose="02020603050405020304" pitchFamily="18" charset="0"/>
+              </a:rPr>
+              <a:t>Continued</a:t>
+            </a:r>
+            <a:r>
               <a:rPr lang="en-US" cap="none" dirty="0"/>
-              <a:t>Continued</a:t>
+              <a:t>..</a:t>
             </a:r>
             <a:endParaRPr lang="en-IN" cap="none" dirty="0"/>
           </a:p>
@@ -5596,7 +6474,7 @@
 </p:sld>
 </file>
 
-<file path=ppt/slides/slide23.xml><?xml version="1.0" encoding="utf-8"?>
+<file path=ppt/slides/slide29.xml><?xml version="1.0" encoding="utf-8"?>
 <p:sld xmlns:a="http://schemas.openxmlformats.org/drawingml/2006/main" xmlns:r="http://schemas.openxmlformats.org/officeDocument/2006/relationships" xmlns:p="http://schemas.openxmlformats.org/presentationml/2006/main">
   <p:cSld>
     <p:spTree>
@@ -5635,8 +6513,15 @@
           <a:lstStyle/>
           <a:p>
             <a:r>
+              <a:rPr lang="en-US" i="1" dirty="0">
+                <a:latin typeface="Times New Roman" panose="02020603050405020304" pitchFamily="18" charset="0"/>
+                <a:cs typeface="Times New Roman" panose="02020603050405020304" pitchFamily="18" charset="0"/>
+              </a:rPr>
+              <a:t>Continued</a:t>
+            </a:r>
+            <a:r>
               <a:rPr lang="en-US" cap="none" dirty="0"/>
-              <a:t>Continued</a:t>
+              <a:t>..</a:t>
             </a:r>
             <a:endParaRPr lang="en-IN" dirty="0"/>
           </a:p>
@@ -5734,155 +6619,6 @@
 </p:sld>
 </file>
 
-<file path=ppt/slides/slide24.xml><?xml version="1.0" encoding="utf-8"?>
-<p:sld xmlns:a="http://schemas.openxmlformats.org/drawingml/2006/main" xmlns:r="http://schemas.openxmlformats.org/officeDocument/2006/relationships" xmlns:p="http://schemas.openxmlformats.org/presentationml/2006/main">
-  <p:cSld>
-    <p:spTree>
-      <p:nvGrpSpPr>
-        <p:cNvPr id="1" name=""/>
-        <p:cNvGrpSpPr/>
-        <p:nvPr/>
-      </p:nvGrpSpPr>
-      <p:grpSpPr>
-        <a:xfrm>
-          <a:off x="0" y="0"/>
-          <a:ext cx="0" cy="0"/>
-          <a:chOff x="0" y="0"/>
-          <a:chExt cx="0" cy="0"/>
-        </a:xfrm>
-      </p:grpSpPr>
-      <p:pic>
-        <p:nvPicPr>
-          <p:cNvPr id="5" name="Content Placeholder 4" descr="A close up of a map&#10;&#10;Description generated with high confidence">
-            <a:extLst>
-              <a:ext uri="{FF2B5EF4-FFF2-40B4-BE49-F238E27FC236}">
-                <a16:creationId xmlns:a16="http://schemas.microsoft.com/office/drawing/2014/main" id="{F7DE12C0-0499-4FCF-99B4-D3D20139B5C1}"/>
-              </a:ext>
-            </a:extLst>
-          </p:cNvPr>
-          <p:cNvPicPr>
-            <a:picLocks noGrp="1" noChangeAspect="1"/>
-          </p:cNvPicPr>
-          <p:nvPr>
-            <p:ph idx="4294967295"/>
-          </p:nvPr>
-        </p:nvPicPr>
-        <p:blipFill>
-          <a:blip r:embed="rId2">
-            <a:extLst>
-              <a:ext uri="{28A0092B-C50C-407E-A947-70E740481C1C}">
-                <a14:useLocalDpi xmlns:a14="http://schemas.microsoft.com/office/drawing/2010/main" val="0"/>
-              </a:ext>
-            </a:extLst>
-          </a:blip>
-          <a:stretch>
-            <a:fillRect/>
-          </a:stretch>
-        </p:blipFill>
-        <p:spPr>
-          <a:xfrm>
-            <a:off x="1790700" y="627063"/>
-            <a:ext cx="8229600" cy="4999037"/>
-          </a:xfrm>
-        </p:spPr>
-      </p:pic>
-    </p:spTree>
-    <p:extLst>
-      <p:ext uri="{BB962C8B-B14F-4D97-AF65-F5344CB8AC3E}">
-        <p14:creationId xmlns:p14="http://schemas.microsoft.com/office/powerpoint/2010/main" val="2169241442"/>
-      </p:ext>
-    </p:extLst>
-  </p:cSld>
-  <p:clrMapOvr>
-    <a:masterClrMapping/>
-  </p:clrMapOvr>
-</p:sld>
-</file>
-
-<file path=ppt/slides/slide25.xml><?xml version="1.0" encoding="utf-8"?>
-<p:sld xmlns:a="http://schemas.openxmlformats.org/drawingml/2006/main" xmlns:r="http://schemas.openxmlformats.org/officeDocument/2006/relationships" xmlns:p="http://schemas.openxmlformats.org/presentationml/2006/main">
-  <p:cSld>
-    <p:spTree>
-      <p:nvGrpSpPr>
-        <p:cNvPr id="1" name=""/>
-        <p:cNvGrpSpPr/>
-        <p:nvPr/>
-      </p:nvGrpSpPr>
-      <p:grpSpPr>
-        <a:xfrm>
-          <a:off x="0" y="0"/>
-          <a:ext cx="0" cy="0"/>
-          <a:chOff x="0" y="0"/>
-          <a:chExt cx="0" cy="0"/>
-        </a:xfrm>
-      </p:grpSpPr>
-      <p:sp>
-        <p:nvSpPr>
-          <p:cNvPr id="2" name="Title 1">
-            <a:extLst>
-              <a:ext uri="{FF2B5EF4-FFF2-40B4-BE49-F238E27FC236}">
-                <a16:creationId xmlns:a16="http://schemas.microsoft.com/office/drawing/2014/main" id="{037277CD-B028-455E-ACB3-E0B2A61EE5C4}"/>
-              </a:ext>
-            </a:extLst>
-          </p:cNvPr>
-          <p:cNvSpPr>
-            <a:spLocks noGrp="1"/>
-          </p:cNvSpPr>
-          <p:nvPr>
-            <p:ph type="title"/>
-          </p:nvPr>
-        </p:nvSpPr>
-        <p:spPr/>
-        <p:txBody>
-          <a:bodyPr/>
-          <a:lstStyle/>
-          <a:p>
-            <a:r>
-              <a:rPr lang="en-US" dirty="0"/>
-              <a:t>conclusion</a:t>
-            </a:r>
-            <a:endParaRPr lang="en-IN" dirty="0"/>
-          </a:p>
-        </p:txBody>
-      </p:sp>
-      <p:sp>
-        <p:nvSpPr>
-          <p:cNvPr id="3" name="Content Placeholder 2">
-            <a:extLst>
-              <a:ext uri="{FF2B5EF4-FFF2-40B4-BE49-F238E27FC236}">
-                <a16:creationId xmlns:a16="http://schemas.microsoft.com/office/drawing/2014/main" id="{A95F7AE5-8B31-42C8-8E99-D7B7EED842AE}"/>
-              </a:ext>
-            </a:extLst>
-          </p:cNvPr>
-          <p:cNvSpPr>
-            <a:spLocks noGrp="1"/>
-          </p:cNvSpPr>
-          <p:nvPr>
-            <p:ph idx="1"/>
-          </p:nvPr>
-        </p:nvSpPr>
-        <p:spPr/>
-        <p:txBody>
-          <a:bodyPr/>
-          <a:lstStyle/>
-          <a:p>
-            <a:endParaRPr lang="en-IN"/>
-          </a:p>
-        </p:txBody>
-      </p:sp>
-    </p:spTree>
-    <p:extLst>
-      <p:ext uri="{BB962C8B-B14F-4D97-AF65-F5344CB8AC3E}">
-        <p14:creationId xmlns:p14="http://schemas.microsoft.com/office/powerpoint/2010/main" val="1896462043"/>
-      </p:ext>
-    </p:extLst>
-  </p:cSld>
-  <p:clrMapOvr>
-    <a:masterClrMapping/>
-  </p:clrMapOvr>
-</p:sld>
-</file>
-
 <file path=ppt/slides/slide3.xml><?xml version="1.0" encoding="utf-8"?>
 <p:sld xmlns:a="http://schemas.openxmlformats.org/drawingml/2006/main" xmlns:r="http://schemas.openxmlformats.org/officeDocument/2006/relationships" xmlns:p="http://schemas.openxmlformats.org/presentationml/2006/main">
   <p:cSld>
@@ -5988,6 +6724,201 @@
     <p:extLst>
       <p:ext uri="{BB962C8B-B14F-4D97-AF65-F5344CB8AC3E}">
         <p14:creationId xmlns:p14="http://schemas.microsoft.com/office/powerpoint/2010/main" val="956593414"/>
+      </p:ext>
+    </p:extLst>
+  </p:cSld>
+  <p:clrMapOvr>
+    <a:masterClrMapping/>
+  </p:clrMapOvr>
+</p:sld>
+</file>
+
+<file path=ppt/slides/slide30.xml><?xml version="1.0" encoding="utf-8"?>
+<p:sld xmlns:a="http://schemas.openxmlformats.org/drawingml/2006/main" xmlns:r="http://schemas.openxmlformats.org/officeDocument/2006/relationships" xmlns:p="http://schemas.openxmlformats.org/presentationml/2006/main">
+  <p:cSld>
+    <p:spTree>
+      <p:nvGrpSpPr>
+        <p:cNvPr id="1" name=""/>
+        <p:cNvGrpSpPr/>
+        <p:nvPr/>
+      </p:nvGrpSpPr>
+      <p:grpSpPr>
+        <a:xfrm>
+          <a:off x="0" y="0"/>
+          <a:ext cx="0" cy="0"/>
+          <a:chOff x="0" y="0"/>
+          <a:chExt cx="0" cy="0"/>
+        </a:xfrm>
+      </p:grpSpPr>
+      <p:sp>
+        <p:nvSpPr>
+          <p:cNvPr id="2" name="Title 1">
+            <a:extLst>
+              <a:ext uri="{FF2B5EF4-FFF2-40B4-BE49-F238E27FC236}">
+                <a16:creationId xmlns:a16="http://schemas.microsoft.com/office/drawing/2014/main" id="{8E2DFC59-6E3D-4653-A7FF-1C55989C2F21}"/>
+              </a:ext>
+            </a:extLst>
+          </p:cNvPr>
+          <p:cNvSpPr>
+            <a:spLocks noGrp="1"/>
+          </p:cNvSpPr>
+          <p:nvPr>
+            <p:ph type="title"/>
+          </p:nvPr>
+        </p:nvSpPr>
+        <p:spPr/>
+        <p:txBody>
+          <a:bodyPr/>
+          <a:lstStyle/>
+          <a:p>
+            <a:r>
+              <a:rPr lang="en-US" i="1" dirty="0">
+                <a:latin typeface="Times New Roman" panose="02020603050405020304" pitchFamily="18" charset="0"/>
+                <a:cs typeface="Times New Roman" panose="02020603050405020304" pitchFamily="18" charset="0"/>
+              </a:rPr>
+              <a:t>Continued</a:t>
+            </a:r>
+            <a:r>
+              <a:rPr lang="en-US" cap="none" dirty="0"/>
+              <a:t>..</a:t>
+            </a:r>
+            <a:endParaRPr lang="en-IN" dirty="0"/>
+          </a:p>
+        </p:txBody>
+      </p:sp>
+      <p:pic>
+        <p:nvPicPr>
+          <p:cNvPr id="5" name="Content Placeholder 4" descr="A close up of a map&#10;&#10;Description generated with high confidence">
+            <a:extLst>
+              <a:ext uri="{FF2B5EF4-FFF2-40B4-BE49-F238E27FC236}">
+                <a16:creationId xmlns:a16="http://schemas.microsoft.com/office/drawing/2014/main" id="{F7DE12C0-0499-4FCF-99B4-D3D20139B5C1}"/>
+              </a:ext>
+            </a:extLst>
+          </p:cNvPr>
+          <p:cNvPicPr>
+            <a:picLocks noGrp="1" noChangeAspect="1"/>
+          </p:cNvPicPr>
+          <p:nvPr>
+            <p:ph idx="4294967295"/>
+          </p:nvPr>
+        </p:nvPicPr>
+        <p:blipFill>
+          <a:blip r:embed="rId2">
+            <a:extLst>
+              <a:ext uri="{28A0092B-C50C-407E-A947-70E740481C1C}">
+                <a14:useLocalDpi xmlns:a14="http://schemas.microsoft.com/office/drawing/2010/main" val="0"/>
+              </a:ext>
+            </a:extLst>
+          </a:blip>
+          <a:stretch>
+            <a:fillRect/>
+          </a:stretch>
+        </p:blipFill>
+        <p:spPr>
+          <a:xfrm>
+            <a:off x="1981200" y="2171700"/>
+            <a:ext cx="8229600" cy="4267200"/>
+          </a:xfrm>
+        </p:spPr>
+      </p:pic>
+    </p:spTree>
+    <p:extLst>
+      <p:ext uri="{BB962C8B-B14F-4D97-AF65-F5344CB8AC3E}">
+        <p14:creationId xmlns:p14="http://schemas.microsoft.com/office/powerpoint/2010/main" val="2169241442"/>
+      </p:ext>
+    </p:extLst>
+  </p:cSld>
+  <p:clrMapOvr>
+    <a:masterClrMapping/>
+  </p:clrMapOvr>
+</p:sld>
+</file>
+
+<file path=ppt/slides/slide31.xml><?xml version="1.0" encoding="utf-8"?>
+<p:sld xmlns:a="http://schemas.openxmlformats.org/drawingml/2006/main" xmlns:r="http://schemas.openxmlformats.org/officeDocument/2006/relationships" xmlns:p="http://schemas.openxmlformats.org/presentationml/2006/main">
+  <p:cSld>
+    <p:spTree>
+      <p:nvGrpSpPr>
+        <p:cNvPr id="1" name=""/>
+        <p:cNvGrpSpPr/>
+        <p:nvPr/>
+      </p:nvGrpSpPr>
+      <p:grpSpPr>
+        <a:xfrm>
+          <a:off x="0" y="0"/>
+          <a:ext cx="0" cy="0"/>
+          <a:chOff x="0" y="0"/>
+          <a:chExt cx="0" cy="0"/>
+        </a:xfrm>
+      </p:grpSpPr>
+      <p:sp>
+        <p:nvSpPr>
+          <p:cNvPr id="2" name="Title 1">
+            <a:extLst>
+              <a:ext uri="{FF2B5EF4-FFF2-40B4-BE49-F238E27FC236}">
+                <a16:creationId xmlns:a16="http://schemas.microsoft.com/office/drawing/2014/main" id="{037277CD-B028-455E-ACB3-E0B2A61EE5C4}"/>
+              </a:ext>
+            </a:extLst>
+          </p:cNvPr>
+          <p:cNvSpPr>
+            <a:spLocks noGrp="1"/>
+          </p:cNvSpPr>
+          <p:nvPr>
+            <p:ph type="title"/>
+          </p:nvPr>
+        </p:nvSpPr>
+        <p:spPr/>
+        <p:txBody>
+          <a:bodyPr/>
+          <a:lstStyle/>
+          <a:p>
+            <a:r>
+              <a:rPr lang="en-US" dirty="0"/>
+              <a:t>conclusion</a:t>
+            </a:r>
+            <a:endParaRPr lang="en-IN" dirty="0"/>
+          </a:p>
+        </p:txBody>
+      </p:sp>
+      <p:sp>
+        <p:nvSpPr>
+          <p:cNvPr id="3" name="Content Placeholder 2">
+            <a:extLst>
+              <a:ext uri="{FF2B5EF4-FFF2-40B4-BE49-F238E27FC236}">
+                <a16:creationId xmlns:a16="http://schemas.microsoft.com/office/drawing/2014/main" id="{A95F7AE5-8B31-42C8-8E99-D7B7EED842AE}"/>
+              </a:ext>
+            </a:extLst>
+          </p:cNvPr>
+          <p:cNvSpPr>
+            <a:spLocks noGrp="1"/>
+          </p:cNvSpPr>
+          <p:nvPr>
+            <p:ph idx="1"/>
+          </p:nvPr>
+        </p:nvSpPr>
+        <p:spPr/>
+        <p:txBody>
+          <a:bodyPr/>
+          <a:lstStyle/>
+          <a:p>
+            <a:r>
+              <a:rPr lang="en-US" dirty="0"/>
+              <a:t>CRDT ensures commutativity and idempotence in real-time collaborative editing.</a:t>
+            </a:r>
+          </a:p>
+          <a:p>
+            <a:r>
+              <a:rPr lang="en-US" dirty="0"/>
+              <a:t>CRDT is also used in distributed databases where consistency plays main role.</a:t>
+            </a:r>
+            <a:endParaRPr lang="en-IN" dirty="0"/>
+          </a:p>
+        </p:txBody>
+      </p:sp>
+    </p:spTree>
+    <p:extLst>
+      <p:ext uri="{BB962C8B-B14F-4D97-AF65-F5344CB8AC3E}">
+        <p14:creationId xmlns:p14="http://schemas.microsoft.com/office/powerpoint/2010/main" val="1896462043"/>
       </p:ext>
     </p:extLst>
   </p:cSld>
@@ -6205,7 +7136,15 @@
           <a:p>
             <a:r>
               <a:rPr lang="en-US" dirty="0"/>
-              <a:t>If any operation is performed in the document, the full state is not sent but operation is sent to all replicas.</a:t>
+              <a:t>If any operation is performed in the document, the full state is not sent but the update  </a:t>
+            </a:r>
+            <a:r>
+              <a:rPr lang="en-US"/>
+              <a:t>operation alone is </a:t>
+            </a:r>
+            <a:r>
+              <a:rPr lang="en-US" dirty="0"/>
+              <a:t>sent to all replicas.</a:t>
             </a:r>
           </a:p>
           <a:p>
@@ -6305,11 +7244,21 @@
           <a:p>
             <a:r>
               <a:rPr lang="en-US" dirty="0"/>
-              <a:t>This is the variant of state based CRDT which doesn’t send the whole state but only the recently made changes.</a:t>
+              <a:t>This is the variant of state based CRDT </a:t>
+            </a:r>
+          </a:p>
+          <a:p>
+            <a:r>
+              <a:rPr lang="en-US" dirty="0"/>
+              <a:t>Instead of transferring whole state, delta state CRDT transfers only the part of the state in which the changes are made recently.</a:t>
             </a:r>
             <a:endParaRPr lang="en-IN" dirty="0"/>
           </a:p>
           <a:p>
+            <a:r>
+              <a:rPr lang="en-US" dirty="0"/>
+              <a:t>This reduces the overhead of transferring the whole state which may be large.</a:t>
+            </a:r>
             <a:endParaRPr lang="en-IN" dirty="0"/>
           </a:p>
         </p:txBody>
@@ -6443,7 +7392,7 @@
           <p:cNvPr id="2" name="Title 1">
             <a:extLst>
               <a:ext uri="{FF2B5EF4-FFF2-40B4-BE49-F238E27FC236}">
-                <a16:creationId xmlns:a16="http://schemas.microsoft.com/office/drawing/2014/main" id="{7865ADBF-CD6F-42A6-8E9C-F43D0F9807FF}"/>
+                <a16:creationId xmlns:a16="http://schemas.microsoft.com/office/drawing/2014/main" id="{291BDCD2-6E43-40AC-9406-8205257B2E9E}"/>
               </a:ext>
             </a:extLst>
           </p:cNvPr>
@@ -6460,16 +7409,10 @@
           <a:lstStyle/>
           <a:p>
             <a:r>
-              <a:rPr lang="en-US" dirty="0">
-                <a:latin typeface="Times New Roman" panose="02020603050405020304" pitchFamily="18" charset="0"/>
-                <a:cs typeface="Times New Roman" panose="02020603050405020304" pitchFamily="18" charset="0"/>
-              </a:rPr>
-              <a:t>Collaborative editing</a:t>
-            </a:r>
-            <a:endParaRPr lang="en-IN" dirty="0">
-              <a:latin typeface="Times New Roman" panose="02020603050405020304" pitchFamily="18" charset="0"/>
-              <a:cs typeface="Times New Roman" panose="02020603050405020304" pitchFamily="18" charset="0"/>
-            </a:endParaRPr>
+              <a:rPr lang="en-US" dirty="0"/>
+              <a:t>CRDT</a:t>
+            </a:r>
+            <a:endParaRPr lang="en-IN" dirty="0"/>
           </a:p>
         </p:txBody>
       </p:sp>
@@ -6478,7 +7421,7 @@
           <p:cNvPr id="3" name="Content Placeholder 2">
             <a:extLst>
               <a:ext uri="{FF2B5EF4-FFF2-40B4-BE49-F238E27FC236}">
-                <a16:creationId xmlns:a16="http://schemas.microsoft.com/office/drawing/2014/main" id="{ED49667C-EFAE-4D21-8E44-98C5D8B41F3D}"/>
+                <a16:creationId xmlns:a16="http://schemas.microsoft.com/office/drawing/2014/main" id="{1B212026-61C8-4F36-B511-BD8419779CCB}"/>
               </a:ext>
             </a:extLst>
           </p:cNvPr>
@@ -6491,54 +7434,52 @@
         </p:nvSpPr>
         <p:spPr/>
         <p:txBody>
-          <a:bodyPr/>
-          <a:lstStyle/>
-          <a:p>
-            <a:r>
-              <a:rPr lang="en-US" dirty="0">
-                <a:latin typeface="Times New Roman" panose="02020603050405020304" pitchFamily="18" charset="0"/>
-                <a:cs typeface="Times New Roman" panose="02020603050405020304" pitchFamily="18" charset="0"/>
-              </a:rPr>
-              <a:t>It is an application which enables the different users in different places to access the same file over the internet.</a:t>
-            </a:r>
-          </a:p>
-          <a:p>
-            <a:r>
-              <a:rPr lang="en-US" dirty="0">
-                <a:latin typeface="Times New Roman" panose="02020603050405020304" pitchFamily="18" charset="0"/>
-                <a:cs typeface="Times New Roman" panose="02020603050405020304" pitchFamily="18" charset="0"/>
-              </a:rPr>
-              <a:t>It has two types namely non real-time collaboration and real-time collaboration.</a:t>
-            </a:r>
-          </a:p>
-          <a:p>
-            <a:r>
-              <a:rPr lang="en-US" dirty="0">
-                <a:latin typeface="Times New Roman" panose="02020603050405020304" pitchFamily="18" charset="0"/>
-                <a:cs typeface="Times New Roman" panose="02020603050405020304" pitchFamily="18" charset="0"/>
-              </a:rPr>
-              <a:t>In non real-time collaboration editing, the same file is not edited by different users simultaneously.</a:t>
-            </a:r>
-          </a:p>
-          <a:p>
-            <a:r>
-              <a:rPr lang="en-US" dirty="0">
-                <a:latin typeface="Times New Roman" panose="02020603050405020304" pitchFamily="18" charset="0"/>
-                <a:cs typeface="Times New Roman" panose="02020603050405020304" pitchFamily="18" charset="0"/>
-              </a:rPr>
-              <a:t>But real-time collaboration allows users to edit the same file simultaneously by different users across the world. </a:t>
-            </a:r>
-            <a:endParaRPr lang="en-IN" dirty="0">
-              <a:latin typeface="Times New Roman" panose="02020603050405020304" pitchFamily="18" charset="0"/>
-              <a:cs typeface="Times New Roman" panose="02020603050405020304" pitchFamily="18" charset="0"/>
-            </a:endParaRPr>
+          <a:bodyPr>
+            <a:normAutofit/>
+          </a:bodyPr>
+          <a:lstStyle/>
+          <a:p>
+            <a:r>
+              <a:rPr lang="en-US" dirty="0"/>
+              <a:t>Counter</a:t>
+            </a:r>
+          </a:p>
+          <a:p>
+            <a:r>
+              <a:rPr lang="en-US" dirty="0"/>
+              <a:t>Register</a:t>
+            </a:r>
+          </a:p>
+          <a:p>
+            <a:r>
+              <a:rPr lang="en-US" dirty="0"/>
+              <a:t>Set</a:t>
+            </a:r>
+          </a:p>
+          <a:p>
+            <a:r>
+              <a:rPr lang="en-US" dirty="0"/>
+              <a:t>Map</a:t>
+            </a:r>
+          </a:p>
+          <a:p>
+            <a:r>
+              <a:rPr lang="en-US" dirty="0"/>
+              <a:t>Graph</a:t>
+            </a:r>
+          </a:p>
+          <a:p>
+            <a:r>
+              <a:rPr lang="en-US" dirty="0"/>
+              <a:t>List</a:t>
+            </a:r>
           </a:p>
         </p:txBody>
       </p:sp>
     </p:spTree>
     <p:extLst>
       <p:ext uri="{BB962C8B-B14F-4D97-AF65-F5344CB8AC3E}">
-        <p14:creationId xmlns:p14="http://schemas.microsoft.com/office/powerpoint/2010/main" val="1136513746"/>
+        <p14:creationId xmlns:p14="http://schemas.microsoft.com/office/powerpoint/2010/main" val="584011045"/>
       </p:ext>
     </p:extLst>
   </p:cSld>
@@ -6570,7 +7511,7 @@
           <p:cNvPr id="2" name="Title 1">
             <a:extLst>
               <a:ext uri="{FF2B5EF4-FFF2-40B4-BE49-F238E27FC236}">
-                <a16:creationId xmlns:a16="http://schemas.microsoft.com/office/drawing/2014/main" id="{AB88FE10-38BB-46B3-BA6C-80E85E81F8AE}"/>
+                <a16:creationId xmlns:a16="http://schemas.microsoft.com/office/drawing/2014/main" id="{D77A59CE-C51D-4197-8AFB-5A3917587103}"/>
               </a:ext>
             </a:extLst>
           </p:cNvPr>
@@ -6588,7 +7529,7 @@
           <a:p>
             <a:r>
               <a:rPr lang="en-US" dirty="0"/>
-              <a:t>consistency in distributed system</a:t>
+              <a:t>counter</a:t>
             </a:r>
             <a:endParaRPr lang="en-IN" dirty="0"/>
           </a:p>
@@ -6599,7 +7540,7 @@
           <p:cNvPr id="3" name="Content Placeholder 2">
             <a:extLst>
               <a:ext uri="{FF2B5EF4-FFF2-40B4-BE49-F238E27FC236}">
-                <a16:creationId xmlns:a16="http://schemas.microsoft.com/office/drawing/2014/main" id="{8378F85F-E4AE-45F0-816B-6165D393FC34}"/>
+                <a16:creationId xmlns:a16="http://schemas.microsoft.com/office/drawing/2014/main" id="{49C73D19-8187-4E09-AE08-09ABCABF5551}"/>
               </a:ext>
             </a:extLst>
           </p:cNvPr>
@@ -6612,87 +7553,74 @@
         </p:nvSpPr>
         <p:spPr/>
         <p:txBody>
-          <a:bodyPr/>
-          <a:lstStyle/>
-          <a:p>
-            <a:r>
-              <a:rPr lang="en-US" dirty="0"/>
-              <a:t>Strong consistency</a:t>
-            </a:r>
-          </a:p>
-          <a:p>
-            <a:pPr lvl="1">
-              <a:buFont typeface="Wingdings" panose="05000000000000000000" pitchFamily="2" charset="2"/>
-              <a:buChar char="Ø"/>
-            </a:pPr>
-            <a:r>
-              <a:rPr lang="en-US" dirty="0"/>
-              <a:t>The data will be passed to all replicas as soon as a user writes in any of the replicas.</a:t>
-            </a:r>
-          </a:p>
-          <a:p>
-            <a:pPr lvl="1">
-              <a:buFont typeface="Wingdings" panose="05000000000000000000" pitchFamily="2" charset="2"/>
-              <a:buChar char="Ø"/>
-            </a:pPr>
-            <a:r>
-              <a:rPr lang="en-US" dirty="0"/>
-              <a:t>But during update any subsequent request to any of the replicas will be delayed.</a:t>
-            </a:r>
-          </a:p>
-          <a:p>
-            <a:pPr lvl="1">
-              <a:buFont typeface="Wingdings" panose="05000000000000000000" pitchFamily="2" charset="2"/>
-              <a:buChar char="Ø"/>
-            </a:pPr>
-            <a:r>
-              <a:rPr lang="en-US" dirty="0"/>
-              <a:t>After the update they start to take care of the requests arrived.</a:t>
-            </a:r>
-          </a:p>
-          <a:p>
-            <a:r>
-              <a:rPr lang="en-US" dirty="0"/>
-              <a:t>Eventual consistency</a:t>
-            </a:r>
-          </a:p>
-          <a:p>
-            <a:pPr lvl="1">
-              <a:buFont typeface="Wingdings" panose="05000000000000000000" pitchFamily="2" charset="2"/>
-              <a:buChar char="Ø"/>
-            </a:pPr>
-            <a:r>
-              <a:rPr lang="en-US" dirty="0"/>
-              <a:t>It does not update all replicas at once. But has a fixed time to become consistent.</a:t>
-            </a:r>
-          </a:p>
-          <a:p>
-            <a:pPr lvl="1">
-              <a:buFont typeface="Wingdings" panose="05000000000000000000" pitchFamily="2" charset="2"/>
-              <a:buChar char="Ø"/>
-            </a:pPr>
-            <a:r>
-              <a:rPr lang="en-US" dirty="0"/>
-              <a:t>Any request to the data at any time may not be the same.</a:t>
-            </a:r>
-          </a:p>
-          <a:p>
-            <a:pPr lvl="1">
-              <a:buFont typeface="Wingdings" panose="05000000000000000000" pitchFamily="2" charset="2"/>
-              <a:buChar char="Ø"/>
-            </a:pPr>
-            <a:r>
-              <a:rPr lang="en-US" dirty="0"/>
-              <a:t>It can be used in fault tolerant application.</a:t>
-            </a:r>
-            <a:endParaRPr lang="en-IN" dirty="0"/>
+          <a:bodyPr>
+            <a:normAutofit/>
+          </a:bodyPr>
+          <a:lstStyle/>
+          <a:p>
+            <a:r>
+              <a:rPr lang="en-US" dirty="0">
+                <a:latin typeface="Times New Roman" panose="02020603050405020304" pitchFamily="18" charset="0"/>
+                <a:cs typeface="Times New Roman" panose="02020603050405020304" pitchFamily="18" charset="0"/>
+              </a:rPr>
+              <a:t>An integer with the support for increment and decrement.</a:t>
+            </a:r>
+          </a:p>
+          <a:p>
+            <a:r>
+              <a:rPr lang="en-US" dirty="0">
+                <a:latin typeface="Times New Roman" panose="02020603050405020304" pitchFamily="18" charset="0"/>
+                <a:cs typeface="Times New Roman" panose="02020603050405020304" pitchFamily="18" charset="0"/>
+              </a:rPr>
+              <a:t>G-Counter (Grow-only counter)</a:t>
+            </a:r>
+          </a:p>
+          <a:p>
+            <a:pPr lvl="1"/>
+            <a:r>
+              <a:rPr lang="en-US" dirty="0">
+                <a:latin typeface="Times New Roman" panose="02020603050405020304" pitchFamily="18" charset="0"/>
+                <a:cs typeface="Times New Roman" panose="02020603050405020304" pitchFamily="18" charset="0"/>
+              </a:rPr>
+              <a:t>Its monotonically increasing counter.</a:t>
+            </a:r>
+          </a:p>
+          <a:p>
+            <a:pPr lvl="1"/>
+            <a:r>
+              <a:rPr lang="en-US" dirty="0">
+                <a:latin typeface="Times New Roman" panose="02020603050405020304" pitchFamily="18" charset="0"/>
+                <a:cs typeface="Times New Roman" panose="02020603050405020304" pitchFamily="18" charset="0"/>
+              </a:rPr>
+              <a:t>Data will be stored in a vector whose dimension is equal to the number of nodes.</a:t>
+            </a:r>
+          </a:p>
+          <a:p>
+            <a:pPr lvl="1"/>
+            <a:r>
+              <a:rPr lang="en-US" dirty="0">
+                <a:latin typeface="Times New Roman" panose="02020603050405020304" pitchFamily="18" charset="0"/>
+                <a:cs typeface="Times New Roman" panose="02020603050405020304" pitchFamily="18" charset="0"/>
+              </a:rPr>
+              <a:t>And each replica increases the value in position with its ID in position array.</a:t>
+            </a:r>
+          </a:p>
+          <a:p>
+            <a:pPr lvl="1"/>
+            <a:r>
+              <a:rPr lang="en-IN" dirty="0">
+                <a:latin typeface="Times New Roman" panose="02020603050405020304" pitchFamily="18" charset="0"/>
+                <a:cs typeface="Times New Roman" panose="02020603050405020304" pitchFamily="18" charset="0"/>
+              </a:rPr>
+              <a:t>The merge function will take the maximum in the positions, and the final value will be the sum of all elements of the vector.</a:t>
+            </a:r>
           </a:p>
         </p:txBody>
       </p:sp>
     </p:spTree>
     <p:extLst>
       <p:ext uri="{BB962C8B-B14F-4D97-AF65-F5344CB8AC3E}">
-        <p14:creationId xmlns:p14="http://schemas.microsoft.com/office/powerpoint/2010/main" val="2106288165"/>
+        <p14:creationId xmlns:p14="http://schemas.microsoft.com/office/powerpoint/2010/main" val="1276870557"/>
       </p:ext>
     </p:extLst>
   </p:cSld>
